--- a/JavaScript OO.pptx
+++ b/JavaScript OO.pptx
@@ -1,39 +1,416 @@
 
 <file path=ppt/presentation.xml><?xml version="1.0" encoding="utf-8"?>
-<p:presentation xmlns:a="http://schemas.openxmlformats.org/drawingml/2006/main" xmlns:p="http://schemas.openxmlformats.org/presentationml/2006/main" xmlns:r="http://schemas.openxmlformats.org/officeDocument/2006/relationships">
+<p:presentation xmlns:a="http://schemas.openxmlformats.org/drawingml/2006/main" xmlns:r="http://schemas.openxmlformats.org/officeDocument/2006/relationships" xmlns:p="http://schemas.openxmlformats.org/presentationml/2006/main">
   <p:sldMasterIdLst>
-    <p:sldMasterId id="2147483648" r:id="rId2"/>
-    <p:sldMasterId id="2147483661" r:id="rId3"/>
+    <p:sldMasterId id="2147483648" r:id="rId1"/>
+    <p:sldMasterId id="2147483661" r:id="rId2"/>
   </p:sldMasterIdLst>
   <p:notesMasterIdLst>
-    <p:notesMasterId r:id="rId4"/>
+    <p:notesMasterId r:id="rId20"/>
   </p:notesMasterIdLst>
   <p:sldIdLst>
-    <p:sldId id="256" r:id="rId5"/>
-    <p:sldId id="257" r:id="rId6"/>
-    <p:sldId id="258" r:id="rId7"/>
-    <p:sldId id="259" r:id="rId8"/>
-    <p:sldId id="260" r:id="rId9"/>
-    <p:sldId id="261" r:id="rId10"/>
-    <p:sldId id="262" r:id="rId11"/>
-    <p:sldId id="263" r:id="rId12"/>
-    <p:sldId id="264" r:id="rId13"/>
-    <p:sldId id="265" r:id="rId14"/>
-    <p:sldId id="266" r:id="rId15"/>
-    <p:sldId id="267" r:id="rId16"/>
-    <p:sldId id="268" r:id="rId17"/>
-    <p:sldId id="269" r:id="rId18"/>
-    <p:sldId id="270" r:id="rId19"/>
-    <p:sldId id="271" r:id="rId20"/>
-    <p:sldId id="272" r:id="rId21"/>
+    <p:sldId id="256" r:id="rId3"/>
+    <p:sldId id="257" r:id="rId4"/>
+    <p:sldId id="258" r:id="rId5"/>
+    <p:sldId id="259" r:id="rId6"/>
+    <p:sldId id="260" r:id="rId7"/>
+    <p:sldId id="261" r:id="rId8"/>
+    <p:sldId id="262" r:id="rId9"/>
+    <p:sldId id="263" r:id="rId10"/>
+    <p:sldId id="264" r:id="rId11"/>
+    <p:sldId id="265" r:id="rId12"/>
+    <p:sldId id="266" r:id="rId13"/>
+    <p:sldId id="267" r:id="rId14"/>
+    <p:sldId id="268" r:id="rId15"/>
+    <p:sldId id="269" r:id="rId16"/>
+    <p:sldId id="270" r:id="rId17"/>
+    <p:sldId id="271" r:id="rId18"/>
+    <p:sldId id="272" r:id="rId19"/>
   </p:sldIdLst>
-  <p:sldSz cx="9144000" cy="6858000"/>
+  <p:sldSz cx="9144000" cy="6858000" type="screen4x3"/>
   <p:notesSz cx="6858000" cy="9144000"/>
+  <p:defaultTextStyle>
+    <a:defPPr>
+      <a:defRPr lang="en-US"/>
+    </a:defPPr>
+    <a:lvl1pPr marL="0" algn="l" defTabSz="914400" rtl="0" eaLnBrk="1" latinLnBrk="0" hangingPunct="1">
+      <a:defRPr sz="1800" kern="1200">
+        <a:solidFill>
+          <a:schemeClr val="tx1"/>
+        </a:solidFill>
+        <a:latin typeface="+mn-lt"/>
+        <a:ea typeface="+mn-ea"/>
+        <a:cs typeface="+mn-cs"/>
+      </a:defRPr>
+    </a:lvl1pPr>
+    <a:lvl2pPr marL="457200" algn="l" defTabSz="914400" rtl="0" eaLnBrk="1" latinLnBrk="0" hangingPunct="1">
+      <a:defRPr sz="1800" kern="1200">
+        <a:solidFill>
+          <a:schemeClr val="tx1"/>
+        </a:solidFill>
+        <a:latin typeface="+mn-lt"/>
+        <a:ea typeface="+mn-ea"/>
+        <a:cs typeface="+mn-cs"/>
+      </a:defRPr>
+    </a:lvl2pPr>
+    <a:lvl3pPr marL="914400" algn="l" defTabSz="914400" rtl="0" eaLnBrk="1" latinLnBrk="0" hangingPunct="1">
+      <a:defRPr sz="1800" kern="1200">
+        <a:solidFill>
+          <a:schemeClr val="tx1"/>
+        </a:solidFill>
+        <a:latin typeface="+mn-lt"/>
+        <a:ea typeface="+mn-ea"/>
+        <a:cs typeface="+mn-cs"/>
+      </a:defRPr>
+    </a:lvl3pPr>
+    <a:lvl4pPr marL="1371600" algn="l" defTabSz="914400" rtl="0" eaLnBrk="1" latinLnBrk="0" hangingPunct="1">
+      <a:defRPr sz="1800" kern="1200">
+        <a:solidFill>
+          <a:schemeClr val="tx1"/>
+        </a:solidFill>
+        <a:latin typeface="+mn-lt"/>
+        <a:ea typeface="+mn-ea"/>
+        <a:cs typeface="+mn-cs"/>
+      </a:defRPr>
+    </a:lvl4pPr>
+    <a:lvl5pPr marL="1828800" algn="l" defTabSz="914400" rtl="0" eaLnBrk="1" latinLnBrk="0" hangingPunct="1">
+      <a:defRPr sz="1800" kern="1200">
+        <a:solidFill>
+          <a:schemeClr val="tx1"/>
+        </a:solidFill>
+        <a:latin typeface="+mn-lt"/>
+        <a:ea typeface="+mn-ea"/>
+        <a:cs typeface="+mn-cs"/>
+      </a:defRPr>
+    </a:lvl5pPr>
+    <a:lvl6pPr marL="2286000" algn="l" defTabSz="914400" rtl="0" eaLnBrk="1" latinLnBrk="0" hangingPunct="1">
+      <a:defRPr sz="1800" kern="1200">
+        <a:solidFill>
+          <a:schemeClr val="tx1"/>
+        </a:solidFill>
+        <a:latin typeface="+mn-lt"/>
+        <a:ea typeface="+mn-ea"/>
+        <a:cs typeface="+mn-cs"/>
+      </a:defRPr>
+    </a:lvl6pPr>
+    <a:lvl7pPr marL="2743200" algn="l" defTabSz="914400" rtl="0" eaLnBrk="1" latinLnBrk="0" hangingPunct="1">
+      <a:defRPr sz="1800" kern="1200">
+        <a:solidFill>
+          <a:schemeClr val="tx1"/>
+        </a:solidFill>
+        <a:latin typeface="+mn-lt"/>
+        <a:ea typeface="+mn-ea"/>
+        <a:cs typeface="+mn-cs"/>
+      </a:defRPr>
+    </a:lvl7pPr>
+    <a:lvl8pPr marL="3200400" algn="l" defTabSz="914400" rtl="0" eaLnBrk="1" latinLnBrk="0" hangingPunct="1">
+      <a:defRPr sz="1800" kern="1200">
+        <a:solidFill>
+          <a:schemeClr val="tx1"/>
+        </a:solidFill>
+        <a:latin typeface="+mn-lt"/>
+        <a:ea typeface="+mn-ea"/>
+        <a:cs typeface="+mn-cs"/>
+      </a:defRPr>
+    </a:lvl8pPr>
+    <a:lvl9pPr marL="3657600" algn="l" defTabSz="914400" rtl="0" eaLnBrk="1" latinLnBrk="0" hangingPunct="1">
+      <a:defRPr sz="1800" kern="1200">
+        <a:solidFill>
+          <a:schemeClr val="tx1"/>
+        </a:solidFill>
+        <a:latin typeface="+mn-lt"/>
+        <a:ea typeface="+mn-ea"/>
+        <a:cs typeface="+mn-cs"/>
+      </a:defRPr>
+    </a:lvl9pPr>
+  </p:defaultTextStyle>
 </p:presentation>
 </file>
 
 <file path=ppt/notesMasters/notesMaster1.xml><?xml version="1.0" encoding="utf-8"?>
-<p:notesMaster xmlns:a="http://schemas.openxmlformats.org/drawingml/2006/main" xmlns:p="http://schemas.openxmlformats.org/presentationml/2006/main" xmlns:r="http://schemas.openxmlformats.org/officeDocument/2006/relationships">
+<p:notesMaster xmlns:a="http://schemas.openxmlformats.org/drawingml/2006/main" xmlns:r="http://schemas.openxmlformats.org/officeDocument/2006/relationships" xmlns:p="http://schemas.openxmlformats.org/presentationml/2006/main">
+  <p:cSld>
+    <p:bg>
+      <p:bgRef idx="1001">
+        <a:schemeClr val="bg1"/>
+      </p:bgRef>
+    </p:bg>
+    <p:spTree>
+      <p:nvGrpSpPr>
+        <p:cNvPr id="1" name=""/>
+        <p:cNvGrpSpPr/>
+        <p:nvPr/>
+      </p:nvGrpSpPr>
+      <p:grpSpPr>
+        <a:xfrm>
+          <a:off x="0" y="0"/>
+          <a:ext cx="0" cy="0"/>
+          <a:chOff x="0" y="0"/>
+          <a:chExt cx="0" cy="0"/>
+        </a:xfrm>
+      </p:grpSpPr>
+      <p:sp>
+        <p:nvSpPr>
+          <p:cNvPr id="74" name="PlaceHolder 1"/>
+          <p:cNvSpPr>
+            <a:spLocks noGrp="1"/>
+          </p:cNvSpPr>
+          <p:nvPr>
+            <p:ph type="body"/>
+          </p:nvPr>
+        </p:nvSpPr>
+        <p:spPr>
+          <a:xfrm>
+            <a:off x="777240" y="4777560"/>
+            <a:ext cx="6217560" cy="4525920"/>
+          </a:xfrm>
+          <a:prstGeom prst="rect">
+            <a:avLst/>
+          </a:prstGeom>
+        </p:spPr>
+        <p:txBody>
+          <a:bodyPr wrap="none" lIns="0" tIns="0" rIns="0" bIns="0"/>
+          <a:lstStyle/>
+          <a:p>
+            <a:r>
+              <a:rPr lang="en-US"/>
+              <a:t>Click to edit the notes format</a:t>
+            </a:r>
+            <a:endParaRPr/>
+          </a:p>
+        </p:txBody>
+      </p:sp>
+      <p:sp>
+        <p:nvSpPr>
+          <p:cNvPr id="75" name="PlaceHolder 2"/>
+          <p:cNvSpPr>
+            <a:spLocks noGrp="1"/>
+          </p:cNvSpPr>
+          <p:nvPr>
+            <p:ph type="hdr"/>
+          </p:nvPr>
+        </p:nvSpPr>
+        <p:spPr>
+          <a:xfrm>
+            <a:off x="0" y="0"/>
+            <a:ext cx="3372840" cy="502560"/>
+          </a:xfrm>
+          <a:prstGeom prst="rect">
+            <a:avLst/>
+          </a:prstGeom>
+        </p:spPr>
+        <p:txBody>
+          <a:bodyPr wrap="none" lIns="0" tIns="0" rIns="0" bIns="0"/>
+          <a:lstStyle/>
+          <a:p>
+            <a:r>
+              <a:rPr lang="en-US"/>
+              <a:t>&lt;header&gt;</a:t>
+            </a:r>
+            <a:endParaRPr/>
+          </a:p>
+        </p:txBody>
+      </p:sp>
+      <p:sp>
+        <p:nvSpPr>
+          <p:cNvPr id="76" name="PlaceHolder 3"/>
+          <p:cNvSpPr>
+            <a:spLocks noGrp="1"/>
+          </p:cNvSpPr>
+          <p:nvPr>
+            <p:ph type="dt"/>
+          </p:nvPr>
+        </p:nvSpPr>
+        <p:spPr>
+          <a:xfrm>
+            <a:off x="4399200" y="0"/>
+            <a:ext cx="3372840" cy="502560"/>
+          </a:xfrm>
+          <a:prstGeom prst="rect">
+            <a:avLst/>
+          </a:prstGeom>
+        </p:spPr>
+        <p:txBody>
+          <a:bodyPr wrap="none" lIns="0" tIns="0" rIns="0" bIns="0"/>
+          <a:lstStyle/>
+          <a:p>
+            <a:pPr algn="r"/>
+            <a:r>
+              <a:rPr lang="en-US"/>
+              <a:t>&lt;date/time&gt;</a:t>
+            </a:r>
+            <a:endParaRPr/>
+          </a:p>
+        </p:txBody>
+      </p:sp>
+      <p:sp>
+        <p:nvSpPr>
+          <p:cNvPr id="77" name="PlaceHolder 4"/>
+          <p:cNvSpPr>
+            <a:spLocks noGrp="1"/>
+          </p:cNvSpPr>
+          <p:nvPr>
+            <p:ph type="ftr"/>
+          </p:nvPr>
+        </p:nvSpPr>
+        <p:spPr>
+          <a:xfrm>
+            <a:off x="0" y="9555480"/>
+            <a:ext cx="3372840" cy="502560"/>
+          </a:xfrm>
+          <a:prstGeom prst="rect">
+            <a:avLst/>
+          </a:prstGeom>
+        </p:spPr>
+        <p:txBody>
+          <a:bodyPr wrap="none" lIns="0" tIns="0" rIns="0" bIns="0" anchor="b"/>
+          <a:lstStyle/>
+          <a:p>
+            <a:r>
+              <a:rPr lang="en-US"/>
+              <a:t>&lt;footer&gt;</a:t>
+            </a:r>
+            <a:endParaRPr/>
+          </a:p>
+        </p:txBody>
+      </p:sp>
+      <p:sp>
+        <p:nvSpPr>
+          <p:cNvPr id="78" name="PlaceHolder 5"/>
+          <p:cNvSpPr>
+            <a:spLocks noGrp="1"/>
+          </p:cNvSpPr>
+          <p:nvPr>
+            <p:ph type="sldNum"/>
+          </p:nvPr>
+        </p:nvSpPr>
+        <p:spPr>
+          <a:xfrm>
+            <a:off x="4399200" y="9555480"/>
+            <a:ext cx="3372840" cy="502560"/>
+          </a:xfrm>
+          <a:prstGeom prst="rect">
+            <a:avLst/>
+          </a:prstGeom>
+        </p:spPr>
+        <p:txBody>
+          <a:bodyPr wrap="none" lIns="0" tIns="0" rIns="0" bIns="0" anchor="b"/>
+          <a:lstStyle/>
+          <a:p>
+            <a:pPr algn="r"/>
+            <a:fld id="{2300F20C-51CF-478E-8CCB-33A5702E7FA4}" type="slidenum">
+              <a:rPr lang="en-US"/>
+              <a:t>‹#›</a:t>
+            </a:fld>
+            <a:endParaRPr/>
+          </a:p>
+        </p:txBody>
+      </p:sp>
+    </p:spTree>
+    <p:extLst>
+      <p:ext uri="{BB962C8B-B14F-4D97-AF65-F5344CB8AC3E}">
+        <p14:creationId xmlns:p14="http://schemas.microsoft.com/office/powerpoint/2010/main" val="1878170703"/>
+      </p:ext>
+    </p:extLst>
+  </p:cSld>
+  <p:clrMap bg1="lt1" tx1="dk1" bg2="lt2" tx2="dk2" accent1="accent1" accent2="accent2" accent3="accent3" accent4="accent4" accent5="accent5" accent6="accent6" hlink="hlink" folHlink="folHlink"/>
+  <p:notesStyle>
+    <a:lvl1pPr marL="0" algn="l" defTabSz="914400" rtl="0" eaLnBrk="1" latinLnBrk="0" hangingPunct="1">
+      <a:defRPr sz="1200" kern="1200">
+        <a:solidFill>
+          <a:schemeClr val="tx1"/>
+        </a:solidFill>
+        <a:latin typeface="+mn-lt"/>
+        <a:ea typeface="+mn-ea"/>
+        <a:cs typeface="+mn-cs"/>
+      </a:defRPr>
+    </a:lvl1pPr>
+    <a:lvl2pPr marL="457200" algn="l" defTabSz="914400" rtl="0" eaLnBrk="1" latinLnBrk="0" hangingPunct="1">
+      <a:defRPr sz="1200" kern="1200">
+        <a:solidFill>
+          <a:schemeClr val="tx1"/>
+        </a:solidFill>
+        <a:latin typeface="+mn-lt"/>
+        <a:ea typeface="+mn-ea"/>
+        <a:cs typeface="+mn-cs"/>
+      </a:defRPr>
+    </a:lvl2pPr>
+    <a:lvl3pPr marL="914400" algn="l" defTabSz="914400" rtl="0" eaLnBrk="1" latinLnBrk="0" hangingPunct="1">
+      <a:defRPr sz="1200" kern="1200">
+        <a:solidFill>
+          <a:schemeClr val="tx1"/>
+        </a:solidFill>
+        <a:latin typeface="+mn-lt"/>
+        <a:ea typeface="+mn-ea"/>
+        <a:cs typeface="+mn-cs"/>
+      </a:defRPr>
+    </a:lvl3pPr>
+    <a:lvl4pPr marL="1371600" algn="l" defTabSz="914400" rtl="0" eaLnBrk="1" latinLnBrk="0" hangingPunct="1">
+      <a:defRPr sz="1200" kern="1200">
+        <a:solidFill>
+          <a:schemeClr val="tx1"/>
+        </a:solidFill>
+        <a:latin typeface="+mn-lt"/>
+        <a:ea typeface="+mn-ea"/>
+        <a:cs typeface="+mn-cs"/>
+      </a:defRPr>
+    </a:lvl4pPr>
+    <a:lvl5pPr marL="1828800" algn="l" defTabSz="914400" rtl="0" eaLnBrk="1" latinLnBrk="0" hangingPunct="1">
+      <a:defRPr sz="1200" kern="1200">
+        <a:solidFill>
+          <a:schemeClr val="tx1"/>
+        </a:solidFill>
+        <a:latin typeface="+mn-lt"/>
+        <a:ea typeface="+mn-ea"/>
+        <a:cs typeface="+mn-cs"/>
+      </a:defRPr>
+    </a:lvl5pPr>
+    <a:lvl6pPr marL="2286000" algn="l" defTabSz="914400" rtl="0" eaLnBrk="1" latinLnBrk="0" hangingPunct="1">
+      <a:defRPr sz="1200" kern="1200">
+        <a:solidFill>
+          <a:schemeClr val="tx1"/>
+        </a:solidFill>
+        <a:latin typeface="+mn-lt"/>
+        <a:ea typeface="+mn-ea"/>
+        <a:cs typeface="+mn-cs"/>
+      </a:defRPr>
+    </a:lvl6pPr>
+    <a:lvl7pPr marL="2743200" algn="l" defTabSz="914400" rtl="0" eaLnBrk="1" latinLnBrk="0" hangingPunct="1">
+      <a:defRPr sz="1200" kern="1200">
+        <a:solidFill>
+          <a:schemeClr val="tx1"/>
+        </a:solidFill>
+        <a:latin typeface="+mn-lt"/>
+        <a:ea typeface="+mn-ea"/>
+        <a:cs typeface="+mn-cs"/>
+      </a:defRPr>
+    </a:lvl7pPr>
+    <a:lvl8pPr marL="3200400" algn="l" defTabSz="914400" rtl="0" eaLnBrk="1" latinLnBrk="0" hangingPunct="1">
+      <a:defRPr sz="1200" kern="1200">
+        <a:solidFill>
+          <a:schemeClr val="tx1"/>
+        </a:solidFill>
+        <a:latin typeface="+mn-lt"/>
+        <a:ea typeface="+mn-ea"/>
+        <a:cs typeface="+mn-cs"/>
+      </a:defRPr>
+    </a:lvl8pPr>
+    <a:lvl9pPr marL="3657600" algn="l" defTabSz="914400" rtl="0" eaLnBrk="1" latinLnBrk="0" hangingPunct="1">
+      <a:defRPr sz="1200" kern="1200">
+        <a:solidFill>
+          <a:schemeClr val="tx1"/>
+        </a:solidFill>
+        <a:latin typeface="+mn-lt"/>
+        <a:ea typeface="+mn-ea"/>
+        <a:cs typeface="+mn-cs"/>
+      </a:defRPr>
+    </a:lvl9pPr>
+  </p:notesStyle>
+</p:notesMaster>
+</file>
+
+<file path=ppt/notesSlides/notesSlide1.xml><?xml version="1.0" encoding="utf-8"?>
+<p:notes xmlns:a="http://schemas.openxmlformats.org/drawingml/2006/main" xmlns:r="http://schemas.openxmlformats.org/officeDocument/2006/relationships" xmlns:p="http://schemas.openxmlformats.org/presentationml/2006/main">
   <p:cSld>
     <p:spTree>
       <p:nvGrpSpPr>
@@ -51,7 +428,7 @@
       </p:grpSpPr>
       <p:sp>
         <p:nvSpPr>
-          <p:cNvPr id="74" name="PlaceHolder 1"/>
+          <p:cNvPr id="109" name="PlaceHolder 1"/>
           <p:cNvSpPr>
             <a:spLocks noGrp="1"/>
           </p:cNvSpPr>
@@ -61,141 +438,54 @@
         </p:nvSpPr>
         <p:spPr>
           <a:xfrm>
-            <a:off x="777240" y="4777560"/>
-            <a:ext cx="6217560" cy="4525920"/>
-          </a:xfrm>
-          <a:prstGeom prst="rect">
-            <a:avLst/>
-          </a:prstGeom>
-        </p:spPr>
-        <p:txBody>
-          <a:bodyPr bIns="0" lIns="0" rIns="0" tIns="0" wrap="none"/>
-          <a:p>
-            <a:r>
-              <a:rPr lang="en-US"/>
-              <a:t>Click to edit the notes format</a:t>
-            </a:r>
-            <a:endParaRPr/>
-          </a:p>
-        </p:txBody>
-      </p:sp>
-      <p:sp>
-        <p:nvSpPr>
-          <p:cNvPr id="75" name="PlaceHolder 2"/>
-          <p:cNvSpPr>
-            <a:spLocks noGrp="1"/>
-          </p:cNvSpPr>
-          <p:nvPr>
-            <p:ph type="hdr"/>
-          </p:nvPr>
-        </p:nvSpPr>
-        <p:spPr>
-          <a:xfrm>
             <a:off x="0" y="0"/>
-            <a:ext cx="3372840" cy="502560"/>
-          </a:xfrm>
-          <a:prstGeom prst="rect">
-            <a:avLst/>
-          </a:prstGeom>
-        </p:spPr>
-        <p:txBody>
-          <a:bodyPr bIns="0" lIns="0" rIns="0" tIns="0" wrap="none"/>
-          <a:p>
-            <a:r>
-              <a:rPr lang="en-US"/>
-              <a:t>&lt;header&gt;</a:t>
-            </a:r>
-            <a:endParaRPr/>
-          </a:p>
-        </p:txBody>
-      </p:sp>
-      <p:sp>
-        <p:nvSpPr>
-          <p:cNvPr id="76" name="PlaceHolder 3"/>
-          <p:cNvSpPr>
-            <a:spLocks noGrp="1"/>
-          </p:cNvSpPr>
-          <p:nvPr>
-            <p:ph type="dt"/>
-          </p:nvPr>
-        </p:nvSpPr>
-        <p:spPr>
-          <a:xfrm>
-            <a:off x="4399200" y="0"/>
-            <a:ext cx="3372840" cy="502560"/>
-          </a:xfrm>
-          <a:prstGeom prst="rect">
-            <a:avLst/>
-          </a:prstGeom>
-        </p:spPr>
-        <p:txBody>
-          <a:bodyPr bIns="0" lIns="0" rIns="0" tIns="0" wrap="none"/>
-          <a:p>
-            <a:pPr algn="r"/>
-            <a:r>
-              <a:rPr lang="en-US"/>
-              <a:t>&lt;date/time&gt;</a:t>
-            </a:r>
-            <a:endParaRPr/>
-          </a:p>
-        </p:txBody>
-      </p:sp>
-      <p:sp>
-        <p:nvSpPr>
-          <p:cNvPr id="77" name="PlaceHolder 4"/>
-          <p:cNvSpPr>
-            <a:spLocks noGrp="1"/>
-          </p:cNvSpPr>
-          <p:nvPr>
-            <p:ph type="ftr"/>
-          </p:nvPr>
-        </p:nvSpPr>
-        <p:spPr>
-          <a:xfrm>
-            <a:off x="0" y="9555480"/>
-            <a:ext cx="3372840" cy="502560"/>
-          </a:xfrm>
-          <a:prstGeom prst="rect">
-            <a:avLst/>
-          </a:prstGeom>
-        </p:spPr>
-        <p:txBody>
-          <a:bodyPr anchor="b" bIns="0" lIns="0" rIns="0" tIns="0" wrap="none"/>
-          <a:p>
-            <a:r>
-              <a:rPr lang="en-US"/>
-              <a:t>&lt;footer&gt;</a:t>
-            </a:r>
-            <a:endParaRPr/>
-          </a:p>
-        </p:txBody>
-      </p:sp>
-      <p:sp>
-        <p:nvSpPr>
-          <p:cNvPr id="78" name="PlaceHolder 5"/>
-          <p:cNvSpPr>
-            <a:spLocks noGrp="1"/>
-          </p:cNvSpPr>
-          <p:nvPr>
-            <p:ph type="sldNum"/>
-          </p:nvPr>
-        </p:nvSpPr>
-        <p:spPr>
-          <a:xfrm>
-            <a:off x="4399200" y="9555480"/>
-            <a:ext cx="3372840" cy="502560"/>
-          </a:xfrm>
-          <a:prstGeom prst="rect">
-            <a:avLst/>
-          </a:prstGeom>
-        </p:spPr>
-        <p:txBody>
-          <a:bodyPr anchor="b" bIns="0" lIns="0" rIns="0" tIns="0" wrap="none"/>
-          <a:p>
-            <a:pPr algn="r"/>
-            <a:fld id="{2300F20C-51CF-478E-8CCB-33A5702E7FA4}" type="slidenum">
-              <a:rPr lang="en-US"/>
-              <a:t>&lt;number&gt;</a:t>
+            <a:ext cx="0" cy="0"/>
+          </a:xfrm>
+          <a:prstGeom prst="rect">
+            <a:avLst/>
+          </a:prstGeom>
+        </p:spPr>
+        <p:txBody>
+          <a:bodyPr lIns="90000" tIns="45000" rIns="90000" bIns="45000"/>
+          <a:lstStyle/>
+          <a:p>
+            <a:endParaRPr/>
+          </a:p>
+        </p:txBody>
+      </p:sp>
+      <p:sp>
+        <p:nvSpPr>
+          <p:cNvPr id="110" name="TextShape 2"/>
+          <p:cNvSpPr txBox="1"/>
+          <p:nvPr/>
+        </p:nvSpPr>
+        <p:spPr>
+          <a:xfrm>
+            <a:off x="0" y="0"/>
+            <a:ext cx="0" cy="0"/>
+          </a:xfrm>
+          <a:prstGeom prst="rect">
+            <a:avLst/>
+          </a:prstGeom>
+        </p:spPr>
+        <p:txBody>
+          <a:bodyPr lIns="90000" tIns="45000" rIns="90000" bIns="45000"/>
+          <a:lstStyle/>
+          <a:p>
+            <a:pPr>
+              <a:lnSpc>
+                <a:spcPct val="100000"/>
+              </a:lnSpc>
+            </a:pPr>
+            <a:fld id="{8FE71708-AE5F-4607-980B-0FF10B4BA329}" type="slidenum">
+              <a:rPr lang="en-US">
+                <a:solidFill>
+                  <a:srgbClr val="000000"/>
+                </a:solidFill>
+                <a:latin typeface="+mn-lt"/>
+                <a:ea typeface="+mn-ea"/>
+              </a:rPr>
+              <a:t>3</a:t>
             </a:fld>
             <a:endParaRPr/>
           </a:p>
@@ -203,12 +493,14 @@
       </p:sp>
     </p:spTree>
   </p:cSld>
-  <p:clrMap accent1="accent1" accent2="accent2" accent3="accent3" accent4="accent4" accent5="accent5" accent6="accent6" bg1="lt1" bg2="lt2" folHlink="folHlink" hlink="hlink" tx1="dk1" tx2="dk2"/>
-</p:notesMaster>
+  <p:clrMapOvr>
+    <a:masterClrMapping/>
+  </p:clrMapOvr>
+</p:notes>
 </file>
 
-<file path=ppt/notesSlides/notesSlide11.xml><?xml version="1.0" encoding="utf-8"?>
-<p:notes xmlns:a="http://schemas.openxmlformats.org/drawingml/2006/main" xmlns:p="http://schemas.openxmlformats.org/presentationml/2006/main" xmlns:r="http://schemas.openxmlformats.org/officeDocument/2006/relationships">
+<file path=ppt/notesSlides/notesSlide2.xml><?xml version="1.0" encoding="utf-8"?>
+<p:notes xmlns:a="http://schemas.openxmlformats.org/drawingml/2006/main" xmlns:r="http://schemas.openxmlformats.org/officeDocument/2006/relationships" xmlns:p="http://schemas.openxmlformats.org/presentationml/2006/main">
   <p:cSld>
     <p:spTree>
       <p:nvGrpSpPr>
@@ -226,7 +518,7 @@
       </p:grpSpPr>
       <p:sp>
         <p:nvSpPr>
-          <p:cNvPr id="117" name="PlaceHolder 1"/>
+          <p:cNvPr id="111" name="PlaceHolder 1"/>
           <p:cNvSpPr>
             <a:spLocks noGrp="1"/>
           </p:cNvSpPr>
@@ -237,43 +529,45 @@
         <p:spPr>
           <a:xfrm>
             <a:off x="0" y="0"/>
-            <a:ext cx="-11796840" cy="-11796840"/>
-          </a:xfrm>
-          <a:prstGeom prst="rect">
-            <a:avLst/>
-          </a:prstGeom>
-        </p:spPr>
-        <p:txBody>
-          <a:bodyPr bIns="45000" lIns="90000" rIns="90000" tIns="45000"/>
-          <a:p>
-            <a:endParaRPr/>
-          </a:p>
-        </p:txBody>
-      </p:sp>
-      <p:sp>
-        <p:nvSpPr>
-          <p:cNvPr id="118" name="TextShape 2"/>
+            <a:ext cx="0" cy="0"/>
+          </a:xfrm>
+          <a:prstGeom prst="rect">
+            <a:avLst/>
+          </a:prstGeom>
+        </p:spPr>
+        <p:txBody>
+          <a:bodyPr lIns="90000" tIns="45000" rIns="90000" bIns="45000"/>
+          <a:lstStyle/>
+          <a:p>
+            <a:endParaRPr/>
+          </a:p>
+        </p:txBody>
+      </p:sp>
+      <p:sp>
+        <p:nvSpPr>
+          <p:cNvPr id="112" name="TextShape 2"/>
           <p:cNvSpPr txBox="1"/>
           <p:nvPr/>
         </p:nvSpPr>
         <p:spPr>
           <a:xfrm>
             <a:off x="0" y="0"/>
-            <a:ext cx="-11796840" cy="-11796840"/>
-          </a:xfrm>
-          <a:prstGeom prst="rect">
-            <a:avLst/>
-          </a:prstGeom>
-        </p:spPr>
-        <p:txBody>
-          <a:bodyPr bIns="45000" lIns="90000" rIns="90000" tIns="45000"/>
+            <a:ext cx="0" cy="0"/>
+          </a:xfrm>
+          <a:prstGeom prst="rect">
+            <a:avLst/>
+          </a:prstGeom>
+        </p:spPr>
+        <p:txBody>
+          <a:bodyPr lIns="90000" tIns="45000" rIns="90000" bIns="45000"/>
+          <a:lstStyle/>
           <a:p>
             <a:pPr>
               <a:lnSpc>
                 <a:spcPct val="100000"/>
               </a:lnSpc>
             </a:pPr>
-            <a:fld id="{3BC12871-80E0-4187-B5D8-F5913EE4CB6B}" type="slidenum">
+            <a:fld id="{B10926ED-CDB5-42B9-9CEB-7447BBD96C73}" type="slidenum">
               <a:rPr lang="en-US">
                 <a:solidFill>
                   <a:srgbClr val="000000"/>
@@ -281,7 +575,7 @@
                 <a:latin typeface="+mn-lt"/>
                 <a:ea typeface="+mn-ea"/>
               </a:rPr>
-              <a:t>&lt;number&gt;</a:t>
+              <a:t>4</a:t>
             </a:fld>
             <a:endParaRPr/>
           </a:p>
@@ -289,11 +583,14 @@
       </p:sp>
     </p:spTree>
   </p:cSld>
+  <p:clrMapOvr>
+    <a:masterClrMapping/>
+  </p:clrMapOvr>
 </p:notes>
 </file>
 
-<file path=ppt/notesSlides/notesSlide13.xml><?xml version="1.0" encoding="utf-8"?>
-<p:notes xmlns:a="http://schemas.openxmlformats.org/drawingml/2006/main" xmlns:p="http://schemas.openxmlformats.org/presentationml/2006/main" xmlns:r="http://schemas.openxmlformats.org/officeDocument/2006/relationships">
+<file path=ppt/notesSlides/notesSlide3.xml><?xml version="1.0" encoding="utf-8"?>
+<p:notes xmlns:a="http://schemas.openxmlformats.org/drawingml/2006/main" xmlns:r="http://schemas.openxmlformats.org/officeDocument/2006/relationships" xmlns:p="http://schemas.openxmlformats.org/presentationml/2006/main">
   <p:cSld>
     <p:spTree>
       <p:nvGrpSpPr>
@@ -311,7 +608,7 @@
       </p:grpSpPr>
       <p:sp>
         <p:nvSpPr>
-          <p:cNvPr id="119" name="PlaceHolder 1"/>
+          <p:cNvPr id="113" name="PlaceHolder 1"/>
           <p:cNvSpPr>
             <a:spLocks noGrp="1"/>
           </p:cNvSpPr>
@@ -322,43 +619,45 @@
         <p:spPr>
           <a:xfrm>
             <a:off x="0" y="0"/>
-            <a:ext cx="-11796840" cy="-11796840"/>
-          </a:xfrm>
-          <a:prstGeom prst="rect">
-            <a:avLst/>
-          </a:prstGeom>
-        </p:spPr>
-        <p:txBody>
-          <a:bodyPr bIns="45000" lIns="90000" rIns="90000" tIns="45000"/>
-          <a:p>
-            <a:endParaRPr/>
-          </a:p>
-        </p:txBody>
-      </p:sp>
-      <p:sp>
-        <p:nvSpPr>
-          <p:cNvPr id="120" name="TextShape 2"/>
+            <a:ext cx="0" cy="0"/>
+          </a:xfrm>
+          <a:prstGeom prst="rect">
+            <a:avLst/>
+          </a:prstGeom>
+        </p:spPr>
+        <p:txBody>
+          <a:bodyPr lIns="90000" tIns="45000" rIns="90000" bIns="45000"/>
+          <a:lstStyle/>
+          <a:p>
+            <a:endParaRPr/>
+          </a:p>
+        </p:txBody>
+      </p:sp>
+      <p:sp>
+        <p:nvSpPr>
+          <p:cNvPr id="114" name="TextShape 2"/>
           <p:cNvSpPr txBox="1"/>
           <p:nvPr/>
         </p:nvSpPr>
         <p:spPr>
           <a:xfrm>
             <a:off x="0" y="0"/>
-            <a:ext cx="-11796840" cy="-11796840"/>
-          </a:xfrm>
-          <a:prstGeom prst="rect">
-            <a:avLst/>
-          </a:prstGeom>
-        </p:spPr>
-        <p:txBody>
-          <a:bodyPr bIns="45000" lIns="90000" rIns="90000" tIns="45000"/>
+            <a:ext cx="0" cy="0"/>
+          </a:xfrm>
+          <a:prstGeom prst="rect">
+            <a:avLst/>
+          </a:prstGeom>
+        </p:spPr>
+        <p:txBody>
+          <a:bodyPr lIns="90000" tIns="45000" rIns="90000" bIns="45000"/>
+          <a:lstStyle/>
           <a:p>
             <a:pPr>
               <a:lnSpc>
                 <a:spcPct val="100000"/>
               </a:lnSpc>
             </a:pPr>
-            <a:fld id="{D1415BB0-D900-4886-ACEA-9AB3E50A8DE4}" type="slidenum">
+            <a:fld id="{35345206-45CE-4765-856F-7ABC21CA926B}" type="slidenum">
               <a:rPr lang="en-US">
                 <a:solidFill>
                   <a:srgbClr val="000000"/>
@@ -366,7 +665,7 @@
                 <a:latin typeface="+mn-lt"/>
                 <a:ea typeface="+mn-ea"/>
               </a:rPr>
-              <a:t>&lt;number&gt;</a:t>
+              <a:t>6</a:t>
             </a:fld>
             <a:endParaRPr/>
           </a:p>
@@ -374,11 +673,14 @@
       </p:sp>
     </p:spTree>
   </p:cSld>
+  <p:clrMapOvr>
+    <a:masterClrMapping/>
+  </p:clrMapOvr>
 </p:notes>
 </file>
 
-<file path=ppt/notesSlides/notesSlide15.xml><?xml version="1.0" encoding="utf-8"?>
-<p:notes xmlns:a="http://schemas.openxmlformats.org/drawingml/2006/main" xmlns:p="http://schemas.openxmlformats.org/presentationml/2006/main" xmlns:r="http://schemas.openxmlformats.org/officeDocument/2006/relationships">
+<file path=ppt/notesSlides/notesSlide4.xml><?xml version="1.0" encoding="utf-8"?>
+<p:notes xmlns:a="http://schemas.openxmlformats.org/drawingml/2006/main" xmlns:r="http://schemas.openxmlformats.org/officeDocument/2006/relationships" xmlns:p="http://schemas.openxmlformats.org/presentationml/2006/main">
   <p:cSld>
     <p:spTree>
       <p:nvGrpSpPr>
@@ -396,7 +698,7 @@
       </p:grpSpPr>
       <p:sp>
         <p:nvSpPr>
-          <p:cNvPr id="121" name="PlaceHolder 1"/>
+          <p:cNvPr id="115" name="PlaceHolder 1"/>
           <p:cNvSpPr>
             <a:spLocks noGrp="1"/>
           </p:cNvSpPr>
@@ -407,43 +709,45 @@
         <p:spPr>
           <a:xfrm>
             <a:off x="0" y="0"/>
-            <a:ext cx="-11796840" cy="-11796840"/>
-          </a:xfrm>
-          <a:prstGeom prst="rect">
-            <a:avLst/>
-          </a:prstGeom>
-        </p:spPr>
-        <p:txBody>
-          <a:bodyPr bIns="45000" lIns="90000" rIns="90000" tIns="45000"/>
-          <a:p>
-            <a:endParaRPr/>
-          </a:p>
-        </p:txBody>
-      </p:sp>
-      <p:sp>
-        <p:nvSpPr>
-          <p:cNvPr id="122" name="TextShape 2"/>
+            <a:ext cx="0" cy="0"/>
+          </a:xfrm>
+          <a:prstGeom prst="rect">
+            <a:avLst/>
+          </a:prstGeom>
+        </p:spPr>
+        <p:txBody>
+          <a:bodyPr lIns="90000" tIns="45000" rIns="90000" bIns="45000"/>
+          <a:lstStyle/>
+          <a:p>
+            <a:endParaRPr/>
+          </a:p>
+        </p:txBody>
+      </p:sp>
+      <p:sp>
+        <p:nvSpPr>
+          <p:cNvPr id="116" name="TextShape 2"/>
           <p:cNvSpPr txBox="1"/>
           <p:nvPr/>
         </p:nvSpPr>
         <p:spPr>
           <a:xfrm>
             <a:off x="0" y="0"/>
-            <a:ext cx="-11796840" cy="-11796840"/>
-          </a:xfrm>
-          <a:prstGeom prst="rect">
-            <a:avLst/>
-          </a:prstGeom>
-        </p:spPr>
-        <p:txBody>
-          <a:bodyPr bIns="45000" lIns="90000" rIns="90000" tIns="45000"/>
+            <a:ext cx="0" cy="0"/>
+          </a:xfrm>
+          <a:prstGeom prst="rect">
+            <a:avLst/>
+          </a:prstGeom>
+        </p:spPr>
+        <p:txBody>
+          <a:bodyPr lIns="90000" tIns="45000" rIns="90000" bIns="45000"/>
+          <a:lstStyle/>
           <a:p>
             <a:pPr>
               <a:lnSpc>
                 <a:spcPct val="100000"/>
               </a:lnSpc>
             </a:pPr>
-            <a:fld id="{F198A114-03BB-4EF6-B673-B2FCF8D5BC77}" type="slidenum">
+            <a:fld id="{5390EF2B-6662-4D55-83DF-1C39489C112D}" type="slidenum">
               <a:rPr lang="en-US">
                 <a:solidFill>
                   <a:srgbClr val="000000"/>
@@ -451,7 +755,7 @@
                 <a:latin typeface="+mn-lt"/>
                 <a:ea typeface="+mn-ea"/>
               </a:rPr>
-              <a:t>&lt;number&gt;</a:t>
+              <a:t>9</a:t>
             </a:fld>
             <a:endParaRPr/>
           </a:p>
@@ -459,11 +763,14 @@
       </p:sp>
     </p:spTree>
   </p:cSld>
+  <p:clrMapOvr>
+    <a:masterClrMapping/>
+  </p:clrMapOvr>
 </p:notes>
 </file>
 
-<file path=ppt/notesSlides/notesSlide16.xml><?xml version="1.0" encoding="utf-8"?>
-<p:notes xmlns:a="http://schemas.openxmlformats.org/drawingml/2006/main" xmlns:p="http://schemas.openxmlformats.org/presentationml/2006/main" xmlns:r="http://schemas.openxmlformats.org/officeDocument/2006/relationships">
+<file path=ppt/notesSlides/notesSlide5.xml><?xml version="1.0" encoding="utf-8"?>
+<p:notes xmlns:a="http://schemas.openxmlformats.org/drawingml/2006/main" xmlns:r="http://schemas.openxmlformats.org/officeDocument/2006/relationships" xmlns:p="http://schemas.openxmlformats.org/presentationml/2006/main">
   <p:cSld>
     <p:spTree>
       <p:nvGrpSpPr>
@@ -481,7 +788,7 @@
       </p:grpSpPr>
       <p:sp>
         <p:nvSpPr>
-          <p:cNvPr id="123" name="PlaceHolder 1"/>
+          <p:cNvPr id="117" name="PlaceHolder 1"/>
           <p:cNvSpPr>
             <a:spLocks noGrp="1"/>
           </p:cNvSpPr>
@@ -492,43 +799,45 @@
         <p:spPr>
           <a:xfrm>
             <a:off x="0" y="0"/>
-            <a:ext cx="-11796840" cy="-11796840"/>
-          </a:xfrm>
-          <a:prstGeom prst="rect">
-            <a:avLst/>
-          </a:prstGeom>
-        </p:spPr>
-        <p:txBody>
-          <a:bodyPr bIns="45000" lIns="90000" rIns="90000" tIns="45000"/>
-          <a:p>
-            <a:endParaRPr/>
-          </a:p>
-        </p:txBody>
-      </p:sp>
-      <p:sp>
-        <p:nvSpPr>
-          <p:cNvPr id="124" name="TextShape 2"/>
+            <a:ext cx="0" cy="0"/>
+          </a:xfrm>
+          <a:prstGeom prst="rect">
+            <a:avLst/>
+          </a:prstGeom>
+        </p:spPr>
+        <p:txBody>
+          <a:bodyPr lIns="90000" tIns="45000" rIns="90000" bIns="45000"/>
+          <a:lstStyle/>
+          <a:p>
+            <a:endParaRPr/>
+          </a:p>
+        </p:txBody>
+      </p:sp>
+      <p:sp>
+        <p:nvSpPr>
+          <p:cNvPr id="118" name="TextShape 2"/>
           <p:cNvSpPr txBox="1"/>
           <p:nvPr/>
         </p:nvSpPr>
         <p:spPr>
           <a:xfrm>
             <a:off x="0" y="0"/>
-            <a:ext cx="-11796840" cy="-11796840"/>
-          </a:xfrm>
-          <a:prstGeom prst="rect">
-            <a:avLst/>
-          </a:prstGeom>
-        </p:spPr>
-        <p:txBody>
-          <a:bodyPr bIns="45000" lIns="90000" rIns="90000" tIns="45000"/>
+            <a:ext cx="0" cy="0"/>
+          </a:xfrm>
+          <a:prstGeom prst="rect">
+            <a:avLst/>
+          </a:prstGeom>
+        </p:spPr>
+        <p:txBody>
+          <a:bodyPr lIns="90000" tIns="45000" rIns="90000" bIns="45000"/>
+          <a:lstStyle/>
           <a:p>
             <a:pPr>
               <a:lnSpc>
                 <a:spcPct val="100000"/>
               </a:lnSpc>
             </a:pPr>
-            <a:fld id="{63D6A190-677C-427A-A5B0-C730DDE2DBDE}" type="slidenum">
+            <a:fld id="{3BC12871-80E0-4187-B5D8-F5913EE4CB6B}" type="slidenum">
               <a:rPr lang="en-US">
                 <a:solidFill>
                   <a:srgbClr val="000000"/>
@@ -536,7 +845,7 @@
                 <a:latin typeface="+mn-lt"/>
                 <a:ea typeface="+mn-ea"/>
               </a:rPr>
-              <a:t>&lt;number&gt;</a:t>
+              <a:t>11</a:t>
             </a:fld>
             <a:endParaRPr/>
           </a:p>
@@ -544,11 +853,14 @@
       </p:sp>
     </p:spTree>
   </p:cSld>
+  <p:clrMapOvr>
+    <a:masterClrMapping/>
+  </p:clrMapOvr>
 </p:notes>
 </file>
 
-<file path=ppt/notesSlides/notesSlide17.xml><?xml version="1.0" encoding="utf-8"?>
-<p:notes xmlns:a="http://schemas.openxmlformats.org/drawingml/2006/main" xmlns:p="http://schemas.openxmlformats.org/presentationml/2006/main" xmlns:r="http://schemas.openxmlformats.org/officeDocument/2006/relationships">
+<file path=ppt/notesSlides/notesSlide6.xml><?xml version="1.0" encoding="utf-8"?>
+<p:notes xmlns:a="http://schemas.openxmlformats.org/drawingml/2006/main" xmlns:r="http://schemas.openxmlformats.org/officeDocument/2006/relationships" xmlns:p="http://schemas.openxmlformats.org/presentationml/2006/main">
   <p:cSld>
     <p:spTree>
       <p:nvGrpSpPr>
@@ -566,7 +878,7 @@
       </p:grpSpPr>
       <p:sp>
         <p:nvSpPr>
-          <p:cNvPr id="125" name="PlaceHolder 1"/>
+          <p:cNvPr id="119" name="PlaceHolder 1"/>
           <p:cNvSpPr>
             <a:spLocks noGrp="1"/>
           </p:cNvSpPr>
@@ -577,43 +889,45 @@
         <p:spPr>
           <a:xfrm>
             <a:off x="0" y="0"/>
-            <a:ext cx="-11796840" cy="-11796840"/>
-          </a:xfrm>
-          <a:prstGeom prst="rect">
-            <a:avLst/>
-          </a:prstGeom>
-        </p:spPr>
-        <p:txBody>
-          <a:bodyPr bIns="45000" lIns="90000" rIns="90000" tIns="45000"/>
-          <a:p>
-            <a:endParaRPr/>
-          </a:p>
-        </p:txBody>
-      </p:sp>
-      <p:sp>
-        <p:nvSpPr>
-          <p:cNvPr id="126" name="TextShape 2"/>
+            <a:ext cx="0" cy="0"/>
+          </a:xfrm>
+          <a:prstGeom prst="rect">
+            <a:avLst/>
+          </a:prstGeom>
+        </p:spPr>
+        <p:txBody>
+          <a:bodyPr lIns="90000" tIns="45000" rIns="90000" bIns="45000"/>
+          <a:lstStyle/>
+          <a:p>
+            <a:endParaRPr/>
+          </a:p>
+        </p:txBody>
+      </p:sp>
+      <p:sp>
+        <p:nvSpPr>
+          <p:cNvPr id="120" name="TextShape 2"/>
           <p:cNvSpPr txBox="1"/>
           <p:nvPr/>
         </p:nvSpPr>
         <p:spPr>
           <a:xfrm>
             <a:off x="0" y="0"/>
-            <a:ext cx="-11796840" cy="-11796840"/>
-          </a:xfrm>
-          <a:prstGeom prst="rect">
-            <a:avLst/>
-          </a:prstGeom>
-        </p:spPr>
-        <p:txBody>
-          <a:bodyPr bIns="45000" lIns="90000" rIns="90000" tIns="45000"/>
+            <a:ext cx="0" cy="0"/>
+          </a:xfrm>
+          <a:prstGeom prst="rect">
+            <a:avLst/>
+          </a:prstGeom>
+        </p:spPr>
+        <p:txBody>
+          <a:bodyPr lIns="90000" tIns="45000" rIns="90000" bIns="45000"/>
+          <a:lstStyle/>
           <a:p>
             <a:pPr>
               <a:lnSpc>
                 <a:spcPct val="100000"/>
               </a:lnSpc>
             </a:pPr>
-            <a:fld id="{C0BCADFE-8097-4913-A02F-F0D8B995AAD1}" type="slidenum">
+            <a:fld id="{D1415BB0-D900-4886-ACEA-9AB3E50A8DE4}" type="slidenum">
               <a:rPr lang="en-US">
                 <a:solidFill>
                   <a:srgbClr val="000000"/>
@@ -621,7 +935,7 @@
                 <a:latin typeface="+mn-lt"/>
                 <a:ea typeface="+mn-ea"/>
               </a:rPr>
-              <a:t>&lt;number&gt;</a:t>
+              <a:t>13</a:t>
             </a:fld>
             <a:endParaRPr/>
           </a:p>
@@ -629,11 +943,14 @@
       </p:sp>
     </p:spTree>
   </p:cSld>
+  <p:clrMapOvr>
+    <a:masterClrMapping/>
+  </p:clrMapOvr>
 </p:notes>
 </file>
 
-<file path=ppt/notesSlides/notesSlide3.xml><?xml version="1.0" encoding="utf-8"?>
-<p:notes xmlns:a="http://schemas.openxmlformats.org/drawingml/2006/main" xmlns:p="http://schemas.openxmlformats.org/presentationml/2006/main" xmlns:r="http://schemas.openxmlformats.org/officeDocument/2006/relationships">
+<file path=ppt/notesSlides/notesSlide7.xml><?xml version="1.0" encoding="utf-8"?>
+<p:notes xmlns:a="http://schemas.openxmlformats.org/drawingml/2006/main" xmlns:r="http://schemas.openxmlformats.org/officeDocument/2006/relationships" xmlns:p="http://schemas.openxmlformats.org/presentationml/2006/main">
   <p:cSld>
     <p:spTree>
       <p:nvGrpSpPr>
@@ -651,7 +968,7 @@
       </p:grpSpPr>
       <p:sp>
         <p:nvSpPr>
-          <p:cNvPr id="109" name="PlaceHolder 1"/>
+          <p:cNvPr id="121" name="PlaceHolder 1"/>
           <p:cNvSpPr>
             <a:spLocks noGrp="1"/>
           </p:cNvSpPr>
@@ -662,43 +979,45 @@
         <p:spPr>
           <a:xfrm>
             <a:off x="0" y="0"/>
-            <a:ext cx="-11796840" cy="-11796840"/>
-          </a:xfrm>
-          <a:prstGeom prst="rect">
-            <a:avLst/>
-          </a:prstGeom>
-        </p:spPr>
-        <p:txBody>
-          <a:bodyPr bIns="45000" lIns="90000" rIns="90000" tIns="45000"/>
-          <a:p>
-            <a:endParaRPr/>
-          </a:p>
-        </p:txBody>
-      </p:sp>
-      <p:sp>
-        <p:nvSpPr>
-          <p:cNvPr id="110" name="TextShape 2"/>
+            <a:ext cx="0" cy="0"/>
+          </a:xfrm>
+          <a:prstGeom prst="rect">
+            <a:avLst/>
+          </a:prstGeom>
+        </p:spPr>
+        <p:txBody>
+          <a:bodyPr lIns="90000" tIns="45000" rIns="90000" bIns="45000"/>
+          <a:lstStyle/>
+          <a:p>
+            <a:endParaRPr/>
+          </a:p>
+        </p:txBody>
+      </p:sp>
+      <p:sp>
+        <p:nvSpPr>
+          <p:cNvPr id="122" name="TextShape 2"/>
           <p:cNvSpPr txBox="1"/>
           <p:nvPr/>
         </p:nvSpPr>
         <p:spPr>
           <a:xfrm>
             <a:off x="0" y="0"/>
-            <a:ext cx="-11796840" cy="-11796840"/>
-          </a:xfrm>
-          <a:prstGeom prst="rect">
-            <a:avLst/>
-          </a:prstGeom>
-        </p:spPr>
-        <p:txBody>
-          <a:bodyPr bIns="45000" lIns="90000" rIns="90000" tIns="45000"/>
+            <a:ext cx="0" cy="0"/>
+          </a:xfrm>
+          <a:prstGeom prst="rect">
+            <a:avLst/>
+          </a:prstGeom>
+        </p:spPr>
+        <p:txBody>
+          <a:bodyPr lIns="90000" tIns="45000" rIns="90000" bIns="45000"/>
+          <a:lstStyle/>
           <a:p>
             <a:pPr>
               <a:lnSpc>
                 <a:spcPct val="100000"/>
               </a:lnSpc>
             </a:pPr>
-            <a:fld id="{8FE71708-AE5F-4607-980B-0FF10B4BA329}" type="slidenum">
+            <a:fld id="{F198A114-03BB-4EF6-B673-B2FCF8D5BC77}" type="slidenum">
               <a:rPr lang="en-US">
                 <a:solidFill>
                   <a:srgbClr val="000000"/>
@@ -706,7 +1025,7 @@
                 <a:latin typeface="+mn-lt"/>
                 <a:ea typeface="+mn-ea"/>
               </a:rPr>
-              <a:t>&lt;number&gt;</a:t>
+              <a:t>15</a:t>
             </a:fld>
             <a:endParaRPr/>
           </a:p>
@@ -714,11 +1033,14 @@
       </p:sp>
     </p:spTree>
   </p:cSld>
+  <p:clrMapOvr>
+    <a:masterClrMapping/>
+  </p:clrMapOvr>
 </p:notes>
 </file>
 
-<file path=ppt/notesSlides/notesSlide4.xml><?xml version="1.0" encoding="utf-8"?>
-<p:notes xmlns:a="http://schemas.openxmlformats.org/drawingml/2006/main" xmlns:p="http://schemas.openxmlformats.org/presentationml/2006/main" xmlns:r="http://schemas.openxmlformats.org/officeDocument/2006/relationships">
+<file path=ppt/notesSlides/notesSlide8.xml><?xml version="1.0" encoding="utf-8"?>
+<p:notes xmlns:a="http://schemas.openxmlformats.org/drawingml/2006/main" xmlns:r="http://schemas.openxmlformats.org/officeDocument/2006/relationships" xmlns:p="http://schemas.openxmlformats.org/presentationml/2006/main">
   <p:cSld>
     <p:spTree>
       <p:nvGrpSpPr>
@@ -736,7 +1058,7 @@
       </p:grpSpPr>
       <p:sp>
         <p:nvSpPr>
-          <p:cNvPr id="111" name="PlaceHolder 1"/>
+          <p:cNvPr id="123" name="PlaceHolder 1"/>
           <p:cNvSpPr>
             <a:spLocks noGrp="1"/>
           </p:cNvSpPr>
@@ -747,43 +1069,45 @@
         <p:spPr>
           <a:xfrm>
             <a:off x="0" y="0"/>
-            <a:ext cx="-11796840" cy="-11796840"/>
-          </a:xfrm>
-          <a:prstGeom prst="rect">
-            <a:avLst/>
-          </a:prstGeom>
-        </p:spPr>
-        <p:txBody>
-          <a:bodyPr bIns="45000" lIns="90000" rIns="90000" tIns="45000"/>
-          <a:p>
-            <a:endParaRPr/>
-          </a:p>
-        </p:txBody>
-      </p:sp>
-      <p:sp>
-        <p:nvSpPr>
-          <p:cNvPr id="112" name="TextShape 2"/>
+            <a:ext cx="0" cy="0"/>
+          </a:xfrm>
+          <a:prstGeom prst="rect">
+            <a:avLst/>
+          </a:prstGeom>
+        </p:spPr>
+        <p:txBody>
+          <a:bodyPr lIns="90000" tIns="45000" rIns="90000" bIns="45000"/>
+          <a:lstStyle/>
+          <a:p>
+            <a:endParaRPr/>
+          </a:p>
+        </p:txBody>
+      </p:sp>
+      <p:sp>
+        <p:nvSpPr>
+          <p:cNvPr id="124" name="TextShape 2"/>
           <p:cNvSpPr txBox="1"/>
           <p:nvPr/>
         </p:nvSpPr>
         <p:spPr>
           <a:xfrm>
             <a:off x="0" y="0"/>
-            <a:ext cx="-11796840" cy="-11796840"/>
-          </a:xfrm>
-          <a:prstGeom prst="rect">
-            <a:avLst/>
-          </a:prstGeom>
-        </p:spPr>
-        <p:txBody>
-          <a:bodyPr bIns="45000" lIns="90000" rIns="90000" tIns="45000"/>
+            <a:ext cx="0" cy="0"/>
+          </a:xfrm>
+          <a:prstGeom prst="rect">
+            <a:avLst/>
+          </a:prstGeom>
+        </p:spPr>
+        <p:txBody>
+          <a:bodyPr lIns="90000" tIns="45000" rIns="90000" bIns="45000"/>
+          <a:lstStyle/>
           <a:p>
             <a:pPr>
               <a:lnSpc>
                 <a:spcPct val="100000"/>
               </a:lnSpc>
             </a:pPr>
-            <a:fld id="{B10926ED-CDB5-42B9-9CEB-7447BBD96C73}" type="slidenum">
+            <a:fld id="{63D6A190-677C-427A-A5B0-C730DDE2DBDE}" type="slidenum">
               <a:rPr lang="en-US">
                 <a:solidFill>
                   <a:srgbClr val="000000"/>
@@ -791,7 +1115,7 @@
                 <a:latin typeface="+mn-lt"/>
                 <a:ea typeface="+mn-ea"/>
               </a:rPr>
-              <a:t>&lt;number&gt;</a:t>
+              <a:t>16</a:t>
             </a:fld>
             <a:endParaRPr/>
           </a:p>
@@ -799,11 +1123,14 @@
       </p:sp>
     </p:spTree>
   </p:cSld>
+  <p:clrMapOvr>
+    <a:masterClrMapping/>
+  </p:clrMapOvr>
 </p:notes>
 </file>
 
-<file path=ppt/notesSlides/notesSlide6.xml><?xml version="1.0" encoding="utf-8"?>
-<p:notes xmlns:a="http://schemas.openxmlformats.org/drawingml/2006/main" xmlns:p="http://schemas.openxmlformats.org/presentationml/2006/main" xmlns:r="http://schemas.openxmlformats.org/officeDocument/2006/relationships">
+<file path=ppt/notesSlides/notesSlide9.xml><?xml version="1.0" encoding="utf-8"?>
+<p:notes xmlns:a="http://schemas.openxmlformats.org/drawingml/2006/main" xmlns:r="http://schemas.openxmlformats.org/officeDocument/2006/relationships" xmlns:p="http://schemas.openxmlformats.org/presentationml/2006/main">
   <p:cSld>
     <p:spTree>
       <p:nvGrpSpPr>
@@ -821,7 +1148,7 @@
       </p:grpSpPr>
       <p:sp>
         <p:nvSpPr>
-          <p:cNvPr id="113" name="PlaceHolder 1"/>
+          <p:cNvPr id="125" name="PlaceHolder 1"/>
           <p:cNvSpPr>
             <a:spLocks noGrp="1"/>
           </p:cNvSpPr>
@@ -832,43 +1159,45 @@
         <p:spPr>
           <a:xfrm>
             <a:off x="0" y="0"/>
-            <a:ext cx="-11796840" cy="-11796840"/>
-          </a:xfrm>
-          <a:prstGeom prst="rect">
-            <a:avLst/>
-          </a:prstGeom>
-        </p:spPr>
-        <p:txBody>
-          <a:bodyPr bIns="45000" lIns="90000" rIns="90000" tIns="45000"/>
-          <a:p>
-            <a:endParaRPr/>
-          </a:p>
-        </p:txBody>
-      </p:sp>
-      <p:sp>
-        <p:nvSpPr>
-          <p:cNvPr id="114" name="TextShape 2"/>
+            <a:ext cx="0" cy="0"/>
+          </a:xfrm>
+          <a:prstGeom prst="rect">
+            <a:avLst/>
+          </a:prstGeom>
+        </p:spPr>
+        <p:txBody>
+          <a:bodyPr lIns="90000" tIns="45000" rIns="90000" bIns="45000"/>
+          <a:lstStyle/>
+          <a:p>
+            <a:endParaRPr/>
+          </a:p>
+        </p:txBody>
+      </p:sp>
+      <p:sp>
+        <p:nvSpPr>
+          <p:cNvPr id="126" name="TextShape 2"/>
           <p:cNvSpPr txBox="1"/>
           <p:nvPr/>
         </p:nvSpPr>
         <p:spPr>
           <a:xfrm>
             <a:off x="0" y="0"/>
-            <a:ext cx="-11796840" cy="-11796840"/>
-          </a:xfrm>
-          <a:prstGeom prst="rect">
-            <a:avLst/>
-          </a:prstGeom>
-        </p:spPr>
-        <p:txBody>
-          <a:bodyPr bIns="45000" lIns="90000" rIns="90000" tIns="45000"/>
+            <a:ext cx="0" cy="0"/>
+          </a:xfrm>
+          <a:prstGeom prst="rect">
+            <a:avLst/>
+          </a:prstGeom>
+        </p:spPr>
+        <p:txBody>
+          <a:bodyPr lIns="90000" tIns="45000" rIns="90000" bIns="45000"/>
+          <a:lstStyle/>
           <a:p>
             <a:pPr>
               <a:lnSpc>
                 <a:spcPct val="100000"/>
               </a:lnSpc>
             </a:pPr>
-            <a:fld id="{35345206-45CE-4765-856F-7ABC21CA926B}" type="slidenum">
+            <a:fld id="{C0BCADFE-8097-4913-A02F-F0D8B995AAD1}" type="slidenum">
               <a:rPr lang="en-US">
                 <a:solidFill>
                   <a:srgbClr val="000000"/>
@@ -876,7 +1205,7 @@
                 <a:latin typeface="+mn-lt"/>
                 <a:ea typeface="+mn-ea"/>
               </a:rPr>
-              <a:t>&lt;number&gt;</a:t>
+              <a:t>17</a:t>
             </a:fld>
             <a:endParaRPr/>
           </a:p>
@@ -884,96 +1213,14 @@
       </p:sp>
     </p:spTree>
   </p:cSld>
-</p:notes>
-</file>
-
-<file path=ppt/notesSlides/notesSlide9.xml><?xml version="1.0" encoding="utf-8"?>
-<p:notes xmlns:a="http://schemas.openxmlformats.org/drawingml/2006/main" xmlns:p="http://schemas.openxmlformats.org/presentationml/2006/main" xmlns:r="http://schemas.openxmlformats.org/officeDocument/2006/relationships">
-  <p:cSld>
-    <p:spTree>
-      <p:nvGrpSpPr>
-        <p:cNvPr id="1" name=""/>
-        <p:cNvGrpSpPr/>
-        <p:nvPr/>
-      </p:nvGrpSpPr>
-      <p:grpSpPr>
-        <a:xfrm>
-          <a:off x="0" y="0"/>
-          <a:ext cx="0" cy="0"/>
-          <a:chOff x="0" y="0"/>
-          <a:chExt cx="0" cy="0"/>
-        </a:xfrm>
-      </p:grpSpPr>
-      <p:sp>
-        <p:nvSpPr>
-          <p:cNvPr id="115" name="PlaceHolder 1"/>
-          <p:cNvSpPr>
-            <a:spLocks noGrp="1"/>
-          </p:cNvSpPr>
-          <p:nvPr>
-            <p:ph type="body"/>
-          </p:nvPr>
-        </p:nvSpPr>
-        <p:spPr>
-          <a:xfrm>
-            <a:off x="0" y="0"/>
-            <a:ext cx="-11796840" cy="-11796840"/>
-          </a:xfrm>
-          <a:prstGeom prst="rect">
-            <a:avLst/>
-          </a:prstGeom>
-        </p:spPr>
-        <p:txBody>
-          <a:bodyPr bIns="45000" lIns="90000" rIns="90000" tIns="45000"/>
-          <a:p>
-            <a:endParaRPr/>
-          </a:p>
-        </p:txBody>
-      </p:sp>
-      <p:sp>
-        <p:nvSpPr>
-          <p:cNvPr id="116" name="TextShape 2"/>
-          <p:cNvSpPr txBox="1"/>
-          <p:nvPr/>
-        </p:nvSpPr>
-        <p:spPr>
-          <a:xfrm>
-            <a:off x="0" y="0"/>
-            <a:ext cx="-11796840" cy="-11796840"/>
-          </a:xfrm>
-          <a:prstGeom prst="rect">
-            <a:avLst/>
-          </a:prstGeom>
-        </p:spPr>
-        <p:txBody>
-          <a:bodyPr bIns="45000" lIns="90000" rIns="90000" tIns="45000"/>
-          <a:p>
-            <a:pPr>
-              <a:lnSpc>
-                <a:spcPct val="100000"/>
-              </a:lnSpc>
-            </a:pPr>
-            <a:fld id="{5390EF2B-6662-4D55-83DF-1C39489C112D}" type="slidenum">
-              <a:rPr lang="en-US">
-                <a:solidFill>
-                  <a:srgbClr val="000000"/>
-                </a:solidFill>
-                <a:latin typeface="+mn-lt"/>
-                <a:ea typeface="+mn-ea"/>
-              </a:rPr>
-              <a:t>&lt;number&gt;</a:t>
-            </a:fld>
-            <a:endParaRPr/>
-          </a:p>
-        </p:txBody>
-      </p:sp>
-    </p:spTree>
-  </p:cSld>
+  <p:clrMapOvr>
+    <a:masterClrMapping/>
+  </p:clrMapOvr>
 </p:notes>
 </file>
 
 <file path=ppt/slideLayouts/slideLayout1.xml><?xml version="1.0" encoding="utf-8"?>
-<p:sldLayout xmlns:a="http://schemas.openxmlformats.org/drawingml/2006/main" xmlns:p="http://schemas.openxmlformats.org/presentationml/2006/main" xmlns:r="http://schemas.openxmlformats.org/officeDocument/2006/relationships" preserve="1" type="blank">
+<p:sldLayout xmlns:a="http://schemas.openxmlformats.org/drawingml/2006/main" xmlns:r="http://schemas.openxmlformats.org/officeDocument/2006/relationships" xmlns:p="http://schemas.openxmlformats.org/presentationml/2006/main" type="blank" preserve="1">
   <p:cSld name="Blank Slide">
     <p:spTree>
       <p:nvGrpSpPr>
@@ -991,11 +1238,14 @@
       </p:grpSpPr>
     </p:spTree>
   </p:cSld>
+  <p:clrMapOvr>
+    <a:masterClrMapping/>
+  </p:clrMapOvr>
 </p:sldLayout>
 </file>
 
 <file path=ppt/slideLayouts/slideLayout10.xml><?xml version="1.0" encoding="utf-8"?>
-<p:sldLayout xmlns:a="http://schemas.openxmlformats.org/drawingml/2006/main" xmlns:p="http://schemas.openxmlformats.org/presentationml/2006/main" xmlns:r="http://schemas.openxmlformats.org/officeDocument/2006/relationships" preserve="1" type="objOverTx">
+<p:sldLayout xmlns:a="http://schemas.openxmlformats.org/drawingml/2006/main" xmlns:r="http://schemas.openxmlformats.org/officeDocument/2006/relationships" xmlns:p="http://schemas.openxmlformats.org/presentationml/2006/main" type="objOverTx" preserve="1">
   <p:cSld name="Title, Content over Content">
     <p:spTree>
       <p:nvGrpSpPr>
@@ -1031,7 +1281,8 @@
           </a:prstGeom>
         </p:spPr>
         <p:txBody>
-          <a:bodyPr anchor="ctr" bIns="0" lIns="0" rIns="0" tIns="0" wrap="none"/>
+          <a:bodyPr wrap="none" lIns="0" tIns="0" rIns="0" bIns="0" anchor="ctr"/>
+          <a:lstStyle/>
           <a:p>
             <a:endParaRPr/>
           </a:p>
@@ -1057,7 +1308,8 @@
           </a:prstGeom>
         </p:spPr>
         <p:txBody>
-          <a:bodyPr bIns="0" lIns="0" rIns="0" tIns="0" wrap="none"/>
+          <a:bodyPr wrap="none" lIns="0" tIns="0" rIns="0" bIns="0"/>
+          <a:lstStyle/>
           <a:p>
             <a:endParaRPr/>
           </a:p>
@@ -1083,7 +1335,8 @@
           </a:prstGeom>
         </p:spPr>
         <p:txBody>
-          <a:bodyPr bIns="0" lIns="0" rIns="0" tIns="0" wrap="none"/>
+          <a:bodyPr wrap="none" lIns="0" tIns="0" rIns="0" bIns="0"/>
+          <a:lstStyle/>
           <a:p>
             <a:endParaRPr/>
           </a:p>
@@ -1091,11 +1344,14 @@
       </p:sp>
     </p:spTree>
   </p:cSld>
+  <p:clrMapOvr>
+    <a:masterClrMapping/>
+  </p:clrMapOvr>
 </p:sldLayout>
 </file>
 
 <file path=ppt/slideLayouts/slideLayout11.xml><?xml version="1.0" encoding="utf-8"?>
-<p:sldLayout xmlns:a="http://schemas.openxmlformats.org/drawingml/2006/main" xmlns:p="http://schemas.openxmlformats.org/presentationml/2006/main" xmlns:r="http://schemas.openxmlformats.org/officeDocument/2006/relationships" preserve="1" type="fourObj">
+<p:sldLayout xmlns:a="http://schemas.openxmlformats.org/drawingml/2006/main" xmlns:r="http://schemas.openxmlformats.org/officeDocument/2006/relationships" xmlns:p="http://schemas.openxmlformats.org/presentationml/2006/main" type="fourObj" preserve="1">
   <p:cSld name="Title, 4 Content">
     <p:spTree>
       <p:nvGrpSpPr>
@@ -1131,7 +1387,8 @@
           </a:prstGeom>
         </p:spPr>
         <p:txBody>
-          <a:bodyPr anchor="ctr" bIns="0" lIns="0" rIns="0" tIns="0" wrap="none"/>
+          <a:bodyPr wrap="none" lIns="0" tIns="0" rIns="0" bIns="0" anchor="ctr"/>
+          <a:lstStyle/>
           <a:p>
             <a:endParaRPr/>
           </a:p>
@@ -1157,7 +1414,8 @@
           </a:prstGeom>
         </p:spPr>
         <p:txBody>
-          <a:bodyPr bIns="0" lIns="0" rIns="0" tIns="0" wrap="none"/>
+          <a:bodyPr wrap="none" lIns="0" tIns="0" rIns="0" bIns="0"/>
+          <a:lstStyle/>
           <a:p>
             <a:endParaRPr/>
           </a:p>
@@ -1183,7 +1441,8 @@
           </a:prstGeom>
         </p:spPr>
         <p:txBody>
-          <a:bodyPr bIns="0" lIns="0" rIns="0" tIns="0" wrap="none"/>
+          <a:bodyPr wrap="none" lIns="0" tIns="0" rIns="0" bIns="0"/>
+          <a:lstStyle/>
           <a:p>
             <a:endParaRPr/>
           </a:p>
@@ -1209,7 +1468,8 @@
           </a:prstGeom>
         </p:spPr>
         <p:txBody>
-          <a:bodyPr bIns="0" lIns="0" rIns="0" tIns="0" wrap="none"/>
+          <a:bodyPr wrap="none" lIns="0" tIns="0" rIns="0" bIns="0"/>
+          <a:lstStyle/>
           <a:p>
             <a:endParaRPr/>
           </a:p>
@@ -1235,7 +1495,8 @@
           </a:prstGeom>
         </p:spPr>
         <p:txBody>
-          <a:bodyPr bIns="0" lIns="0" rIns="0" tIns="0" wrap="none"/>
+          <a:bodyPr wrap="none" lIns="0" tIns="0" rIns="0" bIns="0"/>
+          <a:lstStyle/>
           <a:p>
             <a:endParaRPr/>
           </a:p>
@@ -1243,11 +1504,14 @@
       </p:sp>
     </p:spTree>
   </p:cSld>
+  <p:clrMapOvr>
+    <a:masterClrMapping/>
+  </p:clrMapOvr>
 </p:sldLayout>
 </file>
 
 <file path=ppt/slideLayouts/slideLayout12.xml><?xml version="1.0" encoding="utf-8"?>
-<p:sldLayout xmlns:a="http://schemas.openxmlformats.org/drawingml/2006/main" xmlns:p="http://schemas.openxmlformats.org/presentationml/2006/main" xmlns:r="http://schemas.openxmlformats.org/officeDocument/2006/relationships" preserve="1" type="blank">
+<p:sldLayout xmlns:a="http://schemas.openxmlformats.org/drawingml/2006/main" xmlns:r="http://schemas.openxmlformats.org/officeDocument/2006/relationships" xmlns:p="http://schemas.openxmlformats.org/presentationml/2006/main" type="blank" preserve="1">
   <p:cSld name="Title, 6 Content">
     <p:spTree>
       <p:nvGrpSpPr>
@@ -1283,7 +1547,8 @@
           </a:prstGeom>
         </p:spPr>
         <p:txBody>
-          <a:bodyPr anchor="ctr" bIns="0" lIns="0" rIns="0" tIns="0" wrap="none"/>
+          <a:bodyPr wrap="none" lIns="0" tIns="0" rIns="0" bIns="0" anchor="ctr"/>
+          <a:lstStyle/>
           <a:p>
             <a:endParaRPr/>
           </a:p>
@@ -1309,7 +1574,8 @@
           </a:prstGeom>
         </p:spPr>
         <p:txBody>
-          <a:bodyPr bIns="0" lIns="0" rIns="0" tIns="0" wrap="none"/>
+          <a:bodyPr wrap="none" lIns="0" tIns="0" rIns="0" bIns="0"/>
+          <a:lstStyle/>
           <a:p>
             <a:endParaRPr/>
           </a:p>
@@ -1335,7 +1601,8 @@
           </a:prstGeom>
         </p:spPr>
         <p:txBody>
-          <a:bodyPr bIns="0" lIns="0" rIns="0" tIns="0" wrap="none"/>
+          <a:bodyPr wrap="none" lIns="0" tIns="0" rIns="0" bIns="0"/>
+          <a:lstStyle/>
           <a:p>
             <a:endParaRPr/>
           </a:p>
@@ -1343,11 +1610,14 @@
       </p:sp>
     </p:spTree>
   </p:cSld>
+  <p:clrMapOvr>
+    <a:masterClrMapping/>
+  </p:clrMapOvr>
 </p:sldLayout>
 </file>
 
 <file path=ppt/slideLayouts/slideLayout13.xml><?xml version="1.0" encoding="utf-8"?>
-<p:sldLayout xmlns:a="http://schemas.openxmlformats.org/drawingml/2006/main" xmlns:p="http://schemas.openxmlformats.org/presentationml/2006/main" xmlns:r="http://schemas.openxmlformats.org/officeDocument/2006/relationships" preserve="1" type="blank">
+<p:sldLayout xmlns:a="http://schemas.openxmlformats.org/drawingml/2006/main" xmlns:r="http://schemas.openxmlformats.org/officeDocument/2006/relationships" xmlns:p="http://schemas.openxmlformats.org/presentationml/2006/main" type="blank" preserve="1">
   <p:cSld name="Blank Slide">
     <p:spTree>
       <p:nvGrpSpPr>
@@ -1365,11 +1635,14 @@
       </p:grpSpPr>
     </p:spTree>
   </p:cSld>
+  <p:clrMapOvr>
+    <a:masterClrMapping/>
+  </p:clrMapOvr>
 </p:sldLayout>
 </file>
 
 <file path=ppt/slideLayouts/slideLayout14.xml><?xml version="1.0" encoding="utf-8"?>
-<p:sldLayout xmlns:a="http://schemas.openxmlformats.org/drawingml/2006/main" xmlns:p="http://schemas.openxmlformats.org/presentationml/2006/main" xmlns:r="http://schemas.openxmlformats.org/officeDocument/2006/relationships" preserve="1" type="tx">
+<p:sldLayout xmlns:a="http://schemas.openxmlformats.org/drawingml/2006/main" xmlns:r="http://schemas.openxmlformats.org/officeDocument/2006/relationships" xmlns:p="http://schemas.openxmlformats.org/presentationml/2006/main" type="tx" preserve="1">
   <p:cSld name="Title Slide">
     <p:spTree>
       <p:nvGrpSpPr>
@@ -1405,7 +1678,8 @@
           </a:prstGeom>
         </p:spPr>
         <p:txBody>
-          <a:bodyPr anchor="ctr" bIns="0" lIns="0" rIns="0" tIns="0" wrap="none"/>
+          <a:bodyPr wrap="none" lIns="0" tIns="0" rIns="0" bIns="0" anchor="ctr"/>
+          <a:lstStyle/>
           <a:p>
             <a:endParaRPr/>
           </a:p>
@@ -1431,7 +1705,8 @@
           </a:prstGeom>
         </p:spPr>
         <p:txBody>
-          <a:bodyPr anchor="ctr" bIns="0" lIns="0" rIns="0" tIns="0" wrap="none"/>
+          <a:bodyPr wrap="none" lIns="0" tIns="0" rIns="0" bIns="0" anchor="ctr"/>
+          <a:lstStyle/>
           <a:p>
             <a:pPr algn="ctr"/>
             <a:endParaRPr/>
@@ -1440,11 +1715,14 @@
       </p:sp>
     </p:spTree>
   </p:cSld>
+  <p:clrMapOvr>
+    <a:masterClrMapping/>
+  </p:clrMapOvr>
 </p:sldLayout>
 </file>
 
 <file path=ppt/slideLayouts/slideLayout15.xml><?xml version="1.0" encoding="utf-8"?>
-<p:sldLayout xmlns:a="http://schemas.openxmlformats.org/drawingml/2006/main" xmlns:p="http://schemas.openxmlformats.org/presentationml/2006/main" xmlns:r="http://schemas.openxmlformats.org/officeDocument/2006/relationships" preserve="1" type="obj">
+<p:sldLayout xmlns:a="http://schemas.openxmlformats.org/drawingml/2006/main" xmlns:r="http://schemas.openxmlformats.org/officeDocument/2006/relationships" xmlns:p="http://schemas.openxmlformats.org/presentationml/2006/main" type="obj" preserve="1">
   <p:cSld name="Title, Content">
     <p:spTree>
       <p:nvGrpSpPr>
@@ -1480,7 +1758,8 @@
           </a:prstGeom>
         </p:spPr>
         <p:txBody>
-          <a:bodyPr anchor="ctr" bIns="0" lIns="0" rIns="0" tIns="0" wrap="none"/>
+          <a:bodyPr wrap="none" lIns="0" tIns="0" rIns="0" bIns="0" anchor="ctr"/>
+          <a:lstStyle/>
           <a:p>
             <a:endParaRPr/>
           </a:p>
@@ -1506,7 +1785,8 @@
           </a:prstGeom>
         </p:spPr>
         <p:txBody>
-          <a:bodyPr bIns="0" lIns="0" rIns="0" tIns="0" wrap="none"/>
+          <a:bodyPr wrap="none" lIns="0" tIns="0" rIns="0" bIns="0"/>
+          <a:lstStyle/>
           <a:p>
             <a:endParaRPr/>
           </a:p>
@@ -1514,11 +1794,14 @@
       </p:sp>
     </p:spTree>
   </p:cSld>
+  <p:clrMapOvr>
+    <a:masterClrMapping/>
+  </p:clrMapOvr>
 </p:sldLayout>
 </file>
 
 <file path=ppt/slideLayouts/slideLayout16.xml><?xml version="1.0" encoding="utf-8"?>
-<p:sldLayout xmlns:a="http://schemas.openxmlformats.org/drawingml/2006/main" xmlns:p="http://schemas.openxmlformats.org/presentationml/2006/main" xmlns:r="http://schemas.openxmlformats.org/officeDocument/2006/relationships" preserve="1" type="twoObj">
+<p:sldLayout xmlns:a="http://schemas.openxmlformats.org/drawingml/2006/main" xmlns:r="http://schemas.openxmlformats.org/officeDocument/2006/relationships" xmlns:p="http://schemas.openxmlformats.org/presentationml/2006/main" type="twoObj" preserve="1">
   <p:cSld name="Title, 2 Content">
     <p:spTree>
       <p:nvGrpSpPr>
@@ -1554,7 +1837,8 @@
           </a:prstGeom>
         </p:spPr>
         <p:txBody>
-          <a:bodyPr anchor="ctr" bIns="0" lIns="0" rIns="0" tIns="0" wrap="none"/>
+          <a:bodyPr wrap="none" lIns="0" tIns="0" rIns="0" bIns="0" anchor="ctr"/>
+          <a:lstStyle/>
           <a:p>
             <a:endParaRPr/>
           </a:p>
@@ -1580,7 +1864,8 @@
           </a:prstGeom>
         </p:spPr>
         <p:txBody>
-          <a:bodyPr bIns="0" lIns="0" rIns="0" tIns="0" wrap="none"/>
+          <a:bodyPr wrap="none" lIns="0" tIns="0" rIns="0" bIns="0"/>
+          <a:lstStyle/>
           <a:p>
             <a:endParaRPr/>
           </a:p>
@@ -1606,7 +1891,8 @@
           </a:prstGeom>
         </p:spPr>
         <p:txBody>
-          <a:bodyPr bIns="0" lIns="0" rIns="0" tIns="0" wrap="none"/>
+          <a:bodyPr wrap="none" lIns="0" tIns="0" rIns="0" bIns="0"/>
+          <a:lstStyle/>
           <a:p>
             <a:endParaRPr/>
           </a:p>
@@ -1614,11 +1900,14 @@
       </p:sp>
     </p:spTree>
   </p:cSld>
+  <p:clrMapOvr>
+    <a:masterClrMapping/>
+  </p:clrMapOvr>
 </p:sldLayout>
 </file>
 
 <file path=ppt/slideLayouts/slideLayout17.xml><?xml version="1.0" encoding="utf-8"?>
-<p:sldLayout xmlns:a="http://schemas.openxmlformats.org/drawingml/2006/main" xmlns:p="http://schemas.openxmlformats.org/presentationml/2006/main" xmlns:r="http://schemas.openxmlformats.org/officeDocument/2006/relationships" preserve="1" type="titleOnly">
+<p:sldLayout xmlns:a="http://schemas.openxmlformats.org/drawingml/2006/main" xmlns:r="http://schemas.openxmlformats.org/officeDocument/2006/relationships" xmlns:p="http://schemas.openxmlformats.org/presentationml/2006/main" type="titleOnly" preserve="1">
   <p:cSld name="Title Only">
     <p:spTree>
       <p:nvGrpSpPr>
@@ -1654,7 +1943,8 @@
           </a:prstGeom>
         </p:spPr>
         <p:txBody>
-          <a:bodyPr anchor="ctr" bIns="0" lIns="0" rIns="0" tIns="0" wrap="none"/>
+          <a:bodyPr wrap="none" lIns="0" tIns="0" rIns="0" bIns="0" anchor="ctr"/>
+          <a:lstStyle/>
           <a:p>
             <a:endParaRPr/>
           </a:p>
@@ -1662,11 +1952,14 @@
       </p:sp>
     </p:spTree>
   </p:cSld>
+  <p:clrMapOvr>
+    <a:masterClrMapping/>
+  </p:clrMapOvr>
 </p:sldLayout>
 </file>
 
 <file path=ppt/slideLayouts/slideLayout18.xml><?xml version="1.0" encoding="utf-8"?>
-<p:sldLayout xmlns:a="http://schemas.openxmlformats.org/drawingml/2006/main" xmlns:p="http://schemas.openxmlformats.org/presentationml/2006/main" xmlns:r="http://schemas.openxmlformats.org/officeDocument/2006/relationships" preserve="1" type="objOnly">
+<p:sldLayout xmlns:a="http://schemas.openxmlformats.org/drawingml/2006/main" xmlns:r="http://schemas.openxmlformats.org/officeDocument/2006/relationships" xmlns:p="http://schemas.openxmlformats.org/presentationml/2006/main" type="objOnly" preserve="1">
   <p:cSld name="Centered Text">
     <p:spTree>
       <p:nvGrpSpPr>
@@ -1702,7 +1995,8 @@
           </a:prstGeom>
         </p:spPr>
         <p:txBody>
-          <a:bodyPr anchor="ctr" bIns="0" lIns="0" rIns="0" tIns="0" wrap="none"/>
+          <a:bodyPr wrap="none" lIns="0" tIns="0" rIns="0" bIns="0" anchor="ctr"/>
+          <a:lstStyle/>
           <a:p>
             <a:pPr algn="ctr"/>
             <a:endParaRPr/>
@@ -1711,11 +2005,14 @@
       </p:sp>
     </p:spTree>
   </p:cSld>
+  <p:clrMapOvr>
+    <a:masterClrMapping/>
+  </p:clrMapOvr>
 </p:sldLayout>
 </file>
 
 <file path=ppt/slideLayouts/slideLayout19.xml><?xml version="1.0" encoding="utf-8"?>
-<p:sldLayout xmlns:a="http://schemas.openxmlformats.org/drawingml/2006/main" xmlns:p="http://schemas.openxmlformats.org/presentationml/2006/main" xmlns:r="http://schemas.openxmlformats.org/officeDocument/2006/relationships" preserve="1" type="twoObjAndObj">
+<p:sldLayout xmlns:a="http://schemas.openxmlformats.org/drawingml/2006/main" xmlns:r="http://schemas.openxmlformats.org/officeDocument/2006/relationships" xmlns:p="http://schemas.openxmlformats.org/presentationml/2006/main" type="twoObjAndObj" preserve="1">
   <p:cSld name="Title, 2 Content and Content">
     <p:spTree>
       <p:nvGrpSpPr>
@@ -1751,7 +2048,8 @@
           </a:prstGeom>
         </p:spPr>
         <p:txBody>
-          <a:bodyPr anchor="ctr" bIns="0" lIns="0" rIns="0" tIns="0" wrap="none"/>
+          <a:bodyPr wrap="none" lIns="0" tIns="0" rIns="0" bIns="0" anchor="ctr"/>
+          <a:lstStyle/>
           <a:p>
             <a:endParaRPr/>
           </a:p>
@@ -1777,7 +2075,8 @@
           </a:prstGeom>
         </p:spPr>
         <p:txBody>
-          <a:bodyPr bIns="0" lIns="0" rIns="0" tIns="0" wrap="none"/>
+          <a:bodyPr wrap="none" lIns="0" tIns="0" rIns="0" bIns="0"/>
+          <a:lstStyle/>
           <a:p>
             <a:endParaRPr/>
           </a:p>
@@ -1803,7 +2102,8 @@
           </a:prstGeom>
         </p:spPr>
         <p:txBody>
-          <a:bodyPr bIns="0" lIns="0" rIns="0" tIns="0" wrap="none"/>
+          <a:bodyPr wrap="none" lIns="0" tIns="0" rIns="0" bIns="0"/>
+          <a:lstStyle/>
           <a:p>
             <a:endParaRPr/>
           </a:p>
@@ -1829,7 +2129,8 @@
           </a:prstGeom>
         </p:spPr>
         <p:txBody>
-          <a:bodyPr bIns="0" lIns="0" rIns="0" tIns="0" wrap="none"/>
+          <a:bodyPr wrap="none" lIns="0" tIns="0" rIns="0" bIns="0"/>
+          <a:lstStyle/>
           <a:p>
             <a:endParaRPr/>
           </a:p>
@@ -1837,11 +2138,14 @@
       </p:sp>
     </p:spTree>
   </p:cSld>
+  <p:clrMapOvr>
+    <a:masterClrMapping/>
+  </p:clrMapOvr>
 </p:sldLayout>
 </file>
 
 <file path=ppt/slideLayouts/slideLayout2.xml><?xml version="1.0" encoding="utf-8"?>
-<p:sldLayout xmlns:a="http://schemas.openxmlformats.org/drawingml/2006/main" xmlns:p="http://schemas.openxmlformats.org/presentationml/2006/main" xmlns:r="http://schemas.openxmlformats.org/officeDocument/2006/relationships" preserve="1" type="tx">
+<p:sldLayout xmlns:a="http://schemas.openxmlformats.org/drawingml/2006/main" xmlns:r="http://schemas.openxmlformats.org/officeDocument/2006/relationships" xmlns:p="http://schemas.openxmlformats.org/presentationml/2006/main" type="tx" preserve="1">
   <p:cSld name="Title Slide">
     <p:spTree>
       <p:nvGrpSpPr>
@@ -1877,7 +2181,8 @@
           </a:prstGeom>
         </p:spPr>
         <p:txBody>
-          <a:bodyPr anchor="ctr" bIns="0" lIns="0" rIns="0" tIns="0" wrap="none"/>
+          <a:bodyPr wrap="none" lIns="0" tIns="0" rIns="0" bIns="0" anchor="ctr"/>
+          <a:lstStyle/>
           <a:p>
             <a:endParaRPr/>
           </a:p>
@@ -1903,7 +2208,8 @@
           </a:prstGeom>
         </p:spPr>
         <p:txBody>
-          <a:bodyPr anchor="ctr" bIns="0" lIns="0" rIns="0" tIns="0" wrap="none"/>
+          <a:bodyPr wrap="none" lIns="0" tIns="0" rIns="0" bIns="0" anchor="ctr"/>
+          <a:lstStyle/>
           <a:p>
             <a:pPr algn="ctr"/>
             <a:endParaRPr/>
@@ -1912,11 +2218,14 @@
       </p:sp>
     </p:spTree>
   </p:cSld>
+  <p:clrMapOvr>
+    <a:masterClrMapping/>
+  </p:clrMapOvr>
 </p:sldLayout>
 </file>
 
 <file path=ppt/slideLayouts/slideLayout20.xml><?xml version="1.0" encoding="utf-8"?>
-<p:sldLayout xmlns:a="http://schemas.openxmlformats.org/drawingml/2006/main" xmlns:p="http://schemas.openxmlformats.org/presentationml/2006/main" xmlns:r="http://schemas.openxmlformats.org/officeDocument/2006/relationships" preserve="1" type="objAndTwoObj">
+<p:sldLayout xmlns:a="http://schemas.openxmlformats.org/drawingml/2006/main" xmlns:r="http://schemas.openxmlformats.org/officeDocument/2006/relationships" xmlns:p="http://schemas.openxmlformats.org/presentationml/2006/main" type="objAndTwoObj" preserve="1">
   <p:cSld name="Title Content and 2 Content">
     <p:spTree>
       <p:nvGrpSpPr>
@@ -1952,7 +2261,8 @@
           </a:prstGeom>
         </p:spPr>
         <p:txBody>
-          <a:bodyPr anchor="ctr" bIns="0" lIns="0" rIns="0" tIns="0" wrap="none"/>
+          <a:bodyPr wrap="none" lIns="0" tIns="0" rIns="0" bIns="0" anchor="ctr"/>
+          <a:lstStyle/>
           <a:p>
             <a:endParaRPr/>
           </a:p>
@@ -1978,7 +2288,8 @@
           </a:prstGeom>
         </p:spPr>
         <p:txBody>
-          <a:bodyPr bIns="0" lIns="0" rIns="0" tIns="0" wrap="none"/>
+          <a:bodyPr wrap="none" lIns="0" tIns="0" rIns="0" bIns="0"/>
+          <a:lstStyle/>
           <a:p>
             <a:endParaRPr/>
           </a:p>
@@ -2004,7 +2315,8 @@
           </a:prstGeom>
         </p:spPr>
         <p:txBody>
-          <a:bodyPr bIns="0" lIns="0" rIns="0" tIns="0" wrap="none"/>
+          <a:bodyPr wrap="none" lIns="0" tIns="0" rIns="0" bIns="0"/>
+          <a:lstStyle/>
           <a:p>
             <a:endParaRPr/>
           </a:p>
@@ -2030,7 +2342,8 @@
           </a:prstGeom>
         </p:spPr>
         <p:txBody>
-          <a:bodyPr bIns="0" lIns="0" rIns="0" tIns="0" wrap="none"/>
+          <a:bodyPr wrap="none" lIns="0" tIns="0" rIns="0" bIns="0"/>
+          <a:lstStyle/>
           <a:p>
             <a:endParaRPr/>
           </a:p>
@@ -2038,11 +2351,14 @@
       </p:sp>
     </p:spTree>
   </p:cSld>
+  <p:clrMapOvr>
+    <a:masterClrMapping/>
+  </p:clrMapOvr>
 </p:sldLayout>
 </file>
 
 <file path=ppt/slideLayouts/slideLayout21.xml><?xml version="1.0" encoding="utf-8"?>
-<p:sldLayout xmlns:a="http://schemas.openxmlformats.org/drawingml/2006/main" xmlns:p="http://schemas.openxmlformats.org/presentationml/2006/main" xmlns:r="http://schemas.openxmlformats.org/officeDocument/2006/relationships" preserve="1" type="twoObjOverTx">
+<p:sldLayout xmlns:a="http://schemas.openxmlformats.org/drawingml/2006/main" xmlns:r="http://schemas.openxmlformats.org/officeDocument/2006/relationships" xmlns:p="http://schemas.openxmlformats.org/presentationml/2006/main" type="twoObjOverTx" preserve="1">
   <p:cSld name="Title, 2 Content over Content">
     <p:spTree>
       <p:nvGrpSpPr>
@@ -2078,7 +2394,8 @@
           </a:prstGeom>
         </p:spPr>
         <p:txBody>
-          <a:bodyPr anchor="ctr" bIns="0" lIns="0" rIns="0" tIns="0" wrap="none"/>
+          <a:bodyPr wrap="none" lIns="0" tIns="0" rIns="0" bIns="0" anchor="ctr"/>
+          <a:lstStyle/>
           <a:p>
             <a:endParaRPr/>
           </a:p>
@@ -2104,7 +2421,8 @@
           </a:prstGeom>
         </p:spPr>
         <p:txBody>
-          <a:bodyPr bIns="0" lIns="0" rIns="0" tIns="0" wrap="none"/>
+          <a:bodyPr wrap="none" lIns="0" tIns="0" rIns="0" bIns="0"/>
+          <a:lstStyle/>
           <a:p>
             <a:endParaRPr/>
           </a:p>
@@ -2130,7 +2448,8 @@
           </a:prstGeom>
         </p:spPr>
         <p:txBody>
-          <a:bodyPr bIns="0" lIns="0" rIns="0" tIns="0" wrap="none"/>
+          <a:bodyPr wrap="none" lIns="0" tIns="0" rIns="0" bIns="0"/>
+          <a:lstStyle/>
           <a:p>
             <a:endParaRPr/>
           </a:p>
@@ -2156,7 +2475,8 @@
           </a:prstGeom>
         </p:spPr>
         <p:txBody>
-          <a:bodyPr bIns="0" lIns="0" rIns="0" tIns="0" wrap="none"/>
+          <a:bodyPr wrap="none" lIns="0" tIns="0" rIns="0" bIns="0"/>
+          <a:lstStyle/>
           <a:p>
             <a:endParaRPr/>
           </a:p>
@@ -2164,11 +2484,14 @@
       </p:sp>
     </p:spTree>
   </p:cSld>
+  <p:clrMapOvr>
+    <a:masterClrMapping/>
+  </p:clrMapOvr>
 </p:sldLayout>
 </file>
 
 <file path=ppt/slideLayouts/slideLayout22.xml><?xml version="1.0" encoding="utf-8"?>
-<p:sldLayout xmlns:a="http://schemas.openxmlformats.org/drawingml/2006/main" xmlns:p="http://schemas.openxmlformats.org/presentationml/2006/main" xmlns:r="http://schemas.openxmlformats.org/officeDocument/2006/relationships" preserve="1" type="objOverTx">
+<p:sldLayout xmlns:a="http://schemas.openxmlformats.org/drawingml/2006/main" xmlns:r="http://schemas.openxmlformats.org/officeDocument/2006/relationships" xmlns:p="http://schemas.openxmlformats.org/presentationml/2006/main" type="objOverTx" preserve="1">
   <p:cSld name="Title, Content over Content">
     <p:spTree>
       <p:nvGrpSpPr>
@@ -2204,7 +2527,8 @@
           </a:prstGeom>
         </p:spPr>
         <p:txBody>
-          <a:bodyPr anchor="ctr" bIns="0" lIns="0" rIns="0" tIns="0" wrap="none"/>
+          <a:bodyPr wrap="none" lIns="0" tIns="0" rIns="0" bIns="0" anchor="ctr"/>
+          <a:lstStyle/>
           <a:p>
             <a:endParaRPr/>
           </a:p>
@@ -2230,7 +2554,8 @@
           </a:prstGeom>
         </p:spPr>
         <p:txBody>
-          <a:bodyPr bIns="0" lIns="0" rIns="0" tIns="0" wrap="none"/>
+          <a:bodyPr wrap="none" lIns="0" tIns="0" rIns="0" bIns="0"/>
+          <a:lstStyle/>
           <a:p>
             <a:endParaRPr/>
           </a:p>
@@ -2256,7 +2581,8 @@
           </a:prstGeom>
         </p:spPr>
         <p:txBody>
-          <a:bodyPr bIns="0" lIns="0" rIns="0" tIns="0" wrap="none"/>
+          <a:bodyPr wrap="none" lIns="0" tIns="0" rIns="0" bIns="0"/>
+          <a:lstStyle/>
           <a:p>
             <a:endParaRPr/>
           </a:p>
@@ -2264,11 +2590,14 @@
       </p:sp>
     </p:spTree>
   </p:cSld>
+  <p:clrMapOvr>
+    <a:masterClrMapping/>
+  </p:clrMapOvr>
 </p:sldLayout>
 </file>
 
 <file path=ppt/slideLayouts/slideLayout23.xml><?xml version="1.0" encoding="utf-8"?>
-<p:sldLayout xmlns:a="http://schemas.openxmlformats.org/drawingml/2006/main" xmlns:p="http://schemas.openxmlformats.org/presentationml/2006/main" xmlns:r="http://schemas.openxmlformats.org/officeDocument/2006/relationships" preserve="1" type="fourObj">
+<p:sldLayout xmlns:a="http://schemas.openxmlformats.org/drawingml/2006/main" xmlns:r="http://schemas.openxmlformats.org/officeDocument/2006/relationships" xmlns:p="http://schemas.openxmlformats.org/presentationml/2006/main" type="fourObj" preserve="1">
   <p:cSld name="Title, 4 Content">
     <p:spTree>
       <p:nvGrpSpPr>
@@ -2304,7 +2633,8 @@
           </a:prstGeom>
         </p:spPr>
         <p:txBody>
-          <a:bodyPr anchor="ctr" bIns="0" lIns="0" rIns="0" tIns="0" wrap="none"/>
+          <a:bodyPr wrap="none" lIns="0" tIns="0" rIns="0" bIns="0" anchor="ctr"/>
+          <a:lstStyle/>
           <a:p>
             <a:endParaRPr/>
           </a:p>
@@ -2330,7 +2660,8 @@
           </a:prstGeom>
         </p:spPr>
         <p:txBody>
-          <a:bodyPr bIns="0" lIns="0" rIns="0" tIns="0" wrap="none"/>
+          <a:bodyPr wrap="none" lIns="0" tIns="0" rIns="0" bIns="0"/>
+          <a:lstStyle/>
           <a:p>
             <a:endParaRPr/>
           </a:p>
@@ -2356,7 +2687,8 @@
           </a:prstGeom>
         </p:spPr>
         <p:txBody>
-          <a:bodyPr bIns="0" lIns="0" rIns="0" tIns="0" wrap="none"/>
+          <a:bodyPr wrap="none" lIns="0" tIns="0" rIns="0" bIns="0"/>
+          <a:lstStyle/>
           <a:p>
             <a:endParaRPr/>
           </a:p>
@@ -2382,7 +2714,8 @@
           </a:prstGeom>
         </p:spPr>
         <p:txBody>
-          <a:bodyPr bIns="0" lIns="0" rIns="0" tIns="0" wrap="none"/>
+          <a:bodyPr wrap="none" lIns="0" tIns="0" rIns="0" bIns="0"/>
+          <a:lstStyle/>
           <a:p>
             <a:endParaRPr/>
           </a:p>
@@ -2408,7 +2741,8 @@
           </a:prstGeom>
         </p:spPr>
         <p:txBody>
-          <a:bodyPr bIns="0" lIns="0" rIns="0" tIns="0" wrap="none"/>
+          <a:bodyPr wrap="none" lIns="0" tIns="0" rIns="0" bIns="0"/>
+          <a:lstStyle/>
           <a:p>
             <a:endParaRPr/>
           </a:p>
@@ -2416,11 +2750,14 @@
       </p:sp>
     </p:spTree>
   </p:cSld>
+  <p:clrMapOvr>
+    <a:masterClrMapping/>
+  </p:clrMapOvr>
 </p:sldLayout>
 </file>
 
 <file path=ppt/slideLayouts/slideLayout24.xml><?xml version="1.0" encoding="utf-8"?>
-<p:sldLayout xmlns:a="http://schemas.openxmlformats.org/drawingml/2006/main" xmlns:p="http://schemas.openxmlformats.org/presentationml/2006/main" xmlns:r="http://schemas.openxmlformats.org/officeDocument/2006/relationships" preserve="1" type="blank">
+<p:sldLayout xmlns:a="http://schemas.openxmlformats.org/drawingml/2006/main" xmlns:r="http://schemas.openxmlformats.org/officeDocument/2006/relationships" xmlns:p="http://schemas.openxmlformats.org/presentationml/2006/main" type="blank" preserve="1">
   <p:cSld name="Title, 6 Content">
     <p:spTree>
       <p:nvGrpSpPr>
@@ -2456,7 +2793,8 @@
           </a:prstGeom>
         </p:spPr>
         <p:txBody>
-          <a:bodyPr anchor="ctr" bIns="0" lIns="0" rIns="0" tIns="0" wrap="none"/>
+          <a:bodyPr wrap="none" lIns="0" tIns="0" rIns="0" bIns="0" anchor="ctr"/>
+          <a:lstStyle/>
           <a:p>
             <a:endParaRPr/>
           </a:p>
@@ -2482,7 +2820,8 @@
           </a:prstGeom>
         </p:spPr>
         <p:txBody>
-          <a:bodyPr bIns="0" lIns="0" rIns="0" tIns="0" wrap="none"/>
+          <a:bodyPr wrap="none" lIns="0" tIns="0" rIns="0" bIns="0"/>
+          <a:lstStyle/>
           <a:p>
             <a:endParaRPr/>
           </a:p>
@@ -2508,7 +2847,8 @@
           </a:prstGeom>
         </p:spPr>
         <p:txBody>
-          <a:bodyPr bIns="0" lIns="0" rIns="0" tIns="0" wrap="none"/>
+          <a:bodyPr wrap="none" lIns="0" tIns="0" rIns="0" bIns="0"/>
+          <a:lstStyle/>
           <a:p>
             <a:endParaRPr/>
           </a:p>
@@ -2516,11 +2856,14 @@
       </p:sp>
     </p:spTree>
   </p:cSld>
+  <p:clrMapOvr>
+    <a:masterClrMapping/>
+  </p:clrMapOvr>
 </p:sldLayout>
 </file>
 
 <file path=ppt/slideLayouts/slideLayout3.xml><?xml version="1.0" encoding="utf-8"?>
-<p:sldLayout xmlns:a="http://schemas.openxmlformats.org/drawingml/2006/main" xmlns:p="http://schemas.openxmlformats.org/presentationml/2006/main" xmlns:r="http://schemas.openxmlformats.org/officeDocument/2006/relationships" preserve="1" type="obj">
+<p:sldLayout xmlns:a="http://schemas.openxmlformats.org/drawingml/2006/main" xmlns:r="http://schemas.openxmlformats.org/officeDocument/2006/relationships" xmlns:p="http://schemas.openxmlformats.org/presentationml/2006/main" type="obj" preserve="1">
   <p:cSld name="Title, Content">
     <p:spTree>
       <p:nvGrpSpPr>
@@ -2556,7 +2899,8 @@
           </a:prstGeom>
         </p:spPr>
         <p:txBody>
-          <a:bodyPr anchor="ctr" bIns="0" lIns="0" rIns="0" tIns="0" wrap="none"/>
+          <a:bodyPr wrap="none" lIns="0" tIns="0" rIns="0" bIns="0" anchor="ctr"/>
+          <a:lstStyle/>
           <a:p>
             <a:endParaRPr/>
           </a:p>
@@ -2582,7 +2926,8 @@
           </a:prstGeom>
         </p:spPr>
         <p:txBody>
-          <a:bodyPr bIns="0" lIns="0" rIns="0" tIns="0" wrap="none"/>
+          <a:bodyPr wrap="none" lIns="0" tIns="0" rIns="0" bIns="0"/>
+          <a:lstStyle/>
           <a:p>
             <a:endParaRPr/>
           </a:p>
@@ -2590,11 +2935,14 @@
       </p:sp>
     </p:spTree>
   </p:cSld>
+  <p:clrMapOvr>
+    <a:masterClrMapping/>
+  </p:clrMapOvr>
 </p:sldLayout>
 </file>
 
 <file path=ppt/slideLayouts/slideLayout4.xml><?xml version="1.0" encoding="utf-8"?>
-<p:sldLayout xmlns:a="http://schemas.openxmlformats.org/drawingml/2006/main" xmlns:p="http://schemas.openxmlformats.org/presentationml/2006/main" xmlns:r="http://schemas.openxmlformats.org/officeDocument/2006/relationships" preserve="1" type="twoObj">
+<p:sldLayout xmlns:a="http://schemas.openxmlformats.org/drawingml/2006/main" xmlns:r="http://schemas.openxmlformats.org/officeDocument/2006/relationships" xmlns:p="http://schemas.openxmlformats.org/presentationml/2006/main" type="twoObj" preserve="1">
   <p:cSld name="Title, 2 Content">
     <p:spTree>
       <p:nvGrpSpPr>
@@ -2630,7 +2978,8 @@
           </a:prstGeom>
         </p:spPr>
         <p:txBody>
-          <a:bodyPr anchor="ctr" bIns="0" lIns="0" rIns="0" tIns="0" wrap="none"/>
+          <a:bodyPr wrap="none" lIns="0" tIns="0" rIns="0" bIns="0" anchor="ctr"/>
+          <a:lstStyle/>
           <a:p>
             <a:endParaRPr/>
           </a:p>
@@ -2656,7 +3005,8 @@
           </a:prstGeom>
         </p:spPr>
         <p:txBody>
-          <a:bodyPr bIns="0" lIns="0" rIns="0" tIns="0" wrap="none"/>
+          <a:bodyPr wrap="none" lIns="0" tIns="0" rIns="0" bIns="0"/>
+          <a:lstStyle/>
           <a:p>
             <a:endParaRPr/>
           </a:p>
@@ -2682,7 +3032,8 @@
           </a:prstGeom>
         </p:spPr>
         <p:txBody>
-          <a:bodyPr bIns="0" lIns="0" rIns="0" tIns="0" wrap="none"/>
+          <a:bodyPr wrap="none" lIns="0" tIns="0" rIns="0" bIns="0"/>
+          <a:lstStyle/>
           <a:p>
             <a:endParaRPr/>
           </a:p>
@@ -2690,11 +3041,14 @@
       </p:sp>
     </p:spTree>
   </p:cSld>
+  <p:clrMapOvr>
+    <a:masterClrMapping/>
+  </p:clrMapOvr>
 </p:sldLayout>
 </file>
 
 <file path=ppt/slideLayouts/slideLayout5.xml><?xml version="1.0" encoding="utf-8"?>
-<p:sldLayout xmlns:a="http://schemas.openxmlformats.org/drawingml/2006/main" xmlns:p="http://schemas.openxmlformats.org/presentationml/2006/main" xmlns:r="http://schemas.openxmlformats.org/officeDocument/2006/relationships" preserve="1" type="titleOnly">
+<p:sldLayout xmlns:a="http://schemas.openxmlformats.org/drawingml/2006/main" xmlns:r="http://schemas.openxmlformats.org/officeDocument/2006/relationships" xmlns:p="http://schemas.openxmlformats.org/presentationml/2006/main" type="titleOnly" preserve="1">
   <p:cSld name="Title Only">
     <p:spTree>
       <p:nvGrpSpPr>
@@ -2730,7 +3084,8 @@
           </a:prstGeom>
         </p:spPr>
         <p:txBody>
-          <a:bodyPr anchor="ctr" bIns="0" lIns="0" rIns="0" tIns="0" wrap="none"/>
+          <a:bodyPr wrap="none" lIns="0" tIns="0" rIns="0" bIns="0" anchor="ctr"/>
+          <a:lstStyle/>
           <a:p>
             <a:endParaRPr/>
           </a:p>
@@ -2738,11 +3093,14 @@
       </p:sp>
     </p:spTree>
   </p:cSld>
+  <p:clrMapOvr>
+    <a:masterClrMapping/>
+  </p:clrMapOvr>
 </p:sldLayout>
 </file>
 
 <file path=ppt/slideLayouts/slideLayout6.xml><?xml version="1.0" encoding="utf-8"?>
-<p:sldLayout xmlns:a="http://schemas.openxmlformats.org/drawingml/2006/main" xmlns:p="http://schemas.openxmlformats.org/presentationml/2006/main" xmlns:r="http://schemas.openxmlformats.org/officeDocument/2006/relationships" preserve="1" type="objOnly">
+<p:sldLayout xmlns:a="http://schemas.openxmlformats.org/drawingml/2006/main" xmlns:r="http://schemas.openxmlformats.org/officeDocument/2006/relationships" xmlns:p="http://schemas.openxmlformats.org/presentationml/2006/main" type="objOnly" preserve="1">
   <p:cSld name="Centered Text">
     <p:spTree>
       <p:nvGrpSpPr>
@@ -2778,7 +3136,8 @@
           </a:prstGeom>
         </p:spPr>
         <p:txBody>
-          <a:bodyPr anchor="ctr" bIns="0" lIns="0" rIns="0" tIns="0" wrap="none"/>
+          <a:bodyPr wrap="none" lIns="0" tIns="0" rIns="0" bIns="0" anchor="ctr"/>
+          <a:lstStyle/>
           <a:p>
             <a:pPr algn="ctr"/>
             <a:endParaRPr/>
@@ -2787,11 +3146,14 @@
       </p:sp>
     </p:spTree>
   </p:cSld>
+  <p:clrMapOvr>
+    <a:masterClrMapping/>
+  </p:clrMapOvr>
 </p:sldLayout>
 </file>
 
 <file path=ppt/slideLayouts/slideLayout7.xml><?xml version="1.0" encoding="utf-8"?>
-<p:sldLayout xmlns:a="http://schemas.openxmlformats.org/drawingml/2006/main" xmlns:p="http://schemas.openxmlformats.org/presentationml/2006/main" xmlns:r="http://schemas.openxmlformats.org/officeDocument/2006/relationships" preserve="1" type="twoObjAndObj">
+<p:sldLayout xmlns:a="http://schemas.openxmlformats.org/drawingml/2006/main" xmlns:r="http://schemas.openxmlformats.org/officeDocument/2006/relationships" xmlns:p="http://schemas.openxmlformats.org/presentationml/2006/main" type="twoObjAndObj" preserve="1">
   <p:cSld name="Title, 2 Content and Content">
     <p:spTree>
       <p:nvGrpSpPr>
@@ -2827,7 +3189,8 @@
           </a:prstGeom>
         </p:spPr>
         <p:txBody>
-          <a:bodyPr anchor="ctr" bIns="0" lIns="0" rIns="0" tIns="0" wrap="none"/>
+          <a:bodyPr wrap="none" lIns="0" tIns="0" rIns="0" bIns="0" anchor="ctr"/>
+          <a:lstStyle/>
           <a:p>
             <a:endParaRPr/>
           </a:p>
@@ -2853,7 +3216,8 @@
           </a:prstGeom>
         </p:spPr>
         <p:txBody>
-          <a:bodyPr bIns="0" lIns="0" rIns="0" tIns="0" wrap="none"/>
+          <a:bodyPr wrap="none" lIns="0" tIns="0" rIns="0" bIns="0"/>
+          <a:lstStyle/>
           <a:p>
             <a:endParaRPr/>
           </a:p>
@@ -2879,7 +3243,8 @@
           </a:prstGeom>
         </p:spPr>
         <p:txBody>
-          <a:bodyPr bIns="0" lIns="0" rIns="0" tIns="0" wrap="none"/>
+          <a:bodyPr wrap="none" lIns="0" tIns="0" rIns="0" bIns="0"/>
+          <a:lstStyle/>
           <a:p>
             <a:endParaRPr/>
           </a:p>
@@ -2905,7 +3270,8 @@
           </a:prstGeom>
         </p:spPr>
         <p:txBody>
-          <a:bodyPr bIns="0" lIns="0" rIns="0" tIns="0" wrap="none"/>
+          <a:bodyPr wrap="none" lIns="0" tIns="0" rIns="0" bIns="0"/>
+          <a:lstStyle/>
           <a:p>
             <a:endParaRPr/>
           </a:p>
@@ -2913,11 +3279,14 @@
       </p:sp>
     </p:spTree>
   </p:cSld>
+  <p:clrMapOvr>
+    <a:masterClrMapping/>
+  </p:clrMapOvr>
 </p:sldLayout>
 </file>
 
 <file path=ppt/slideLayouts/slideLayout8.xml><?xml version="1.0" encoding="utf-8"?>
-<p:sldLayout xmlns:a="http://schemas.openxmlformats.org/drawingml/2006/main" xmlns:p="http://schemas.openxmlformats.org/presentationml/2006/main" xmlns:r="http://schemas.openxmlformats.org/officeDocument/2006/relationships" preserve="1" type="objAndTwoObj">
+<p:sldLayout xmlns:a="http://schemas.openxmlformats.org/drawingml/2006/main" xmlns:r="http://schemas.openxmlformats.org/officeDocument/2006/relationships" xmlns:p="http://schemas.openxmlformats.org/presentationml/2006/main" type="objAndTwoObj" preserve="1">
   <p:cSld name="Title Content and 2 Content">
     <p:spTree>
       <p:nvGrpSpPr>
@@ -2953,7 +3322,8 @@
           </a:prstGeom>
         </p:spPr>
         <p:txBody>
-          <a:bodyPr anchor="ctr" bIns="0" lIns="0" rIns="0" tIns="0" wrap="none"/>
+          <a:bodyPr wrap="none" lIns="0" tIns="0" rIns="0" bIns="0" anchor="ctr"/>
+          <a:lstStyle/>
           <a:p>
             <a:endParaRPr/>
           </a:p>
@@ -2979,7 +3349,8 @@
           </a:prstGeom>
         </p:spPr>
         <p:txBody>
-          <a:bodyPr bIns="0" lIns="0" rIns="0" tIns="0" wrap="none"/>
+          <a:bodyPr wrap="none" lIns="0" tIns="0" rIns="0" bIns="0"/>
+          <a:lstStyle/>
           <a:p>
             <a:endParaRPr/>
           </a:p>
@@ -3005,7 +3376,8 @@
           </a:prstGeom>
         </p:spPr>
         <p:txBody>
-          <a:bodyPr bIns="0" lIns="0" rIns="0" tIns="0" wrap="none"/>
+          <a:bodyPr wrap="none" lIns="0" tIns="0" rIns="0" bIns="0"/>
+          <a:lstStyle/>
           <a:p>
             <a:endParaRPr/>
           </a:p>
@@ -3031,7 +3403,8 @@
           </a:prstGeom>
         </p:spPr>
         <p:txBody>
-          <a:bodyPr bIns="0" lIns="0" rIns="0" tIns="0" wrap="none"/>
+          <a:bodyPr wrap="none" lIns="0" tIns="0" rIns="0" bIns="0"/>
+          <a:lstStyle/>
           <a:p>
             <a:endParaRPr/>
           </a:p>
@@ -3039,11 +3412,14 @@
       </p:sp>
     </p:spTree>
   </p:cSld>
+  <p:clrMapOvr>
+    <a:masterClrMapping/>
+  </p:clrMapOvr>
 </p:sldLayout>
 </file>
 
 <file path=ppt/slideLayouts/slideLayout9.xml><?xml version="1.0" encoding="utf-8"?>
-<p:sldLayout xmlns:a="http://schemas.openxmlformats.org/drawingml/2006/main" xmlns:p="http://schemas.openxmlformats.org/presentationml/2006/main" xmlns:r="http://schemas.openxmlformats.org/officeDocument/2006/relationships" preserve="1" type="twoObjOverTx">
+<p:sldLayout xmlns:a="http://schemas.openxmlformats.org/drawingml/2006/main" xmlns:r="http://schemas.openxmlformats.org/officeDocument/2006/relationships" xmlns:p="http://schemas.openxmlformats.org/presentationml/2006/main" type="twoObjOverTx" preserve="1">
   <p:cSld name="Title, 2 Content over Content">
     <p:spTree>
       <p:nvGrpSpPr>
@@ -3079,7 +3455,8 @@
           </a:prstGeom>
         </p:spPr>
         <p:txBody>
-          <a:bodyPr anchor="ctr" bIns="0" lIns="0" rIns="0" tIns="0" wrap="none"/>
+          <a:bodyPr wrap="none" lIns="0" tIns="0" rIns="0" bIns="0" anchor="ctr"/>
+          <a:lstStyle/>
           <a:p>
             <a:endParaRPr/>
           </a:p>
@@ -3105,7 +3482,8 @@
           </a:prstGeom>
         </p:spPr>
         <p:txBody>
-          <a:bodyPr bIns="0" lIns="0" rIns="0" tIns="0" wrap="none"/>
+          <a:bodyPr wrap="none" lIns="0" tIns="0" rIns="0" bIns="0"/>
+          <a:lstStyle/>
           <a:p>
             <a:endParaRPr/>
           </a:p>
@@ -3131,7 +3509,8 @@
           </a:prstGeom>
         </p:spPr>
         <p:txBody>
-          <a:bodyPr bIns="0" lIns="0" rIns="0" tIns="0" wrap="none"/>
+          <a:bodyPr wrap="none" lIns="0" tIns="0" rIns="0" bIns="0"/>
+          <a:lstStyle/>
           <a:p>
             <a:endParaRPr/>
           </a:p>
@@ -3157,7 +3536,8 @@
           </a:prstGeom>
         </p:spPr>
         <p:txBody>
-          <a:bodyPr bIns="0" lIns="0" rIns="0" tIns="0" wrap="none"/>
+          <a:bodyPr wrap="none" lIns="0" tIns="0" rIns="0" bIns="0"/>
+          <a:lstStyle/>
           <a:p>
             <a:endParaRPr/>
           </a:p>
@@ -3165,17 +3545,21 @@
       </p:sp>
     </p:spTree>
   </p:cSld>
+  <p:clrMapOvr>
+    <a:masterClrMapping/>
+  </p:clrMapOvr>
 </p:sldLayout>
 </file>
 
 <file path=ppt/slideMasters/slideMaster1.xml><?xml version="1.0" encoding="utf-8"?>
-<p:sldMaster xmlns:a="http://schemas.openxmlformats.org/drawingml/2006/main" xmlns:p="http://schemas.openxmlformats.org/presentationml/2006/main" xmlns:r="http://schemas.openxmlformats.org/officeDocument/2006/relationships">
+<p:sldMaster xmlns:a="http://schemas.openxmlformats.org/drawingml/2006/main" xmlns:r="http://schemas.openxmlformats.org/officeDocument/2006/relationships" xmlns:p="http://schemas.openxmlformats.org/presentationml/2006/main">
   <p:cSld>
     <p:bg>
       <p:bgPr>
         <a:solidFill>
-          <a:srgbClr val="ffffff"/>
+          <a:srgbClr val="FFFFFF"/>
         </a:solidFill>
+        <a:effectLst/>
       </p:bgPr>
     </p:bg>
     <p:spTree>
@@ -3194,7 +3578,7 @@
       </p:grpSpPr>
       <p:sp>
         <p:nvSpPr>
-          <p:cNvPr id="0" name="PlaceHolder 1"/>
+          <p:cNvPr id="5" name="PlaceHolder 1"/>
           <p:cNvSpPr>
             <a:spLocks noGrp="1"/>
           </p:cNvSpPr>
@@ -3213,6 +3597,7 @@
         </p:spPr>
         <p:txBody>
           <a:bodyPr anchor="ctr"/>
+          <a:lstStyle/>
           <a:p>
             <a:pPr algn="ctr">
               <a:lnSpc>
@@ -3234,7 +3619,7 @@
       </p:sp>
       <p:sp>
         <p:nvSpPr>
-          <p:cNvPr id="1" name="PlaceHolder 2"/>
+          <p:cNvPr id="6" name="PlaceHolder 2"/>
           <p:cNvSpPr>
             <a:spLocks noGrp="1"/>
           </p:cNvSpPr>
@@ -3245,14 +3630,15 @@
         <p:spPr>
           <a:xfrm>
             <a:off x="0" y="0"/>
-            <a:ext cx="-11796840" cy="-11796840"/>
-          </a:xfrm>
-          <a:prstGeom prst="rect">
-            <a:avLst/>
-          </a:prstGeom>
-        </p:spPr>
-        <p:txBody>
-          <a:bodyPr bIns="45000" lIns="90000" rIns="90000" tIns="45000"/>
+            <a:ext cx="0" cy="0"/>
+          </a:xfrm>
+          <a:prstGeom prst="rect">
+            <a:avLst/>
+          </a:prstGeom>
+        </p:spPr>
+        <p:txBody>
+          <a:bodyPr lIns="90000" tIns="45000" rIns="90000" bIns="45000"/>
+          <a:lstStyle/>
           <a:p>
             <a:pPr>
               <a:lnSpc>
@@ -3285,14 +3671,15 @@
         <p:spPr>
           <a:xfrm>
             <a:off x="0" y="0"/>
-            <a:ext cx="-11796840" cy="-11796840"/>
-          </a:xfrm>
-          <a:prstGeom prst="rect">
-            <a:avLst/>
-          </a:prstGeom>
-        </p:spPr>
-        <p:txBody>
-          <a:bodyPr bIns="45000" lIns="90000" rIns="90000" tIns="45000"/>
+            <a:ext cx="0" cy="0"/>
+          </a:xfrm>
+          <a:prstGeom prst="rect">
+            <a:avLst/>
+          </a:prstGeom>
+        </p:spPr>
+        <p:txBody>
+          <a:bodyPr lIns="90000" tIns="45000" rIns="90000" bIns="45000"/>
+          <a:lstStyle/>
           <a:p>
             <a:endParaRPr/>
           </a:p>
@@ -3311,14 +3698,15 @@
         <p:spPr>
           <a:xfrm>
             <a:off x="0" y="0"/>
-            <a:ext cx="-11796840" cy="-11796840"/>
-          </a:xfrm>
-          <a:prstGeom prst="rect">
-            <a:avLst/>
-          </a:prstGeom>
-        </p:spPr>
-        <p:txBody>
-          <a:bodyPr bIns="45000" lIns="90000" rIns="90000" tIns="45000"/>
+            <a:ext cx="0" cy="0"/>
+          </a:xfrm>
+          <a:prstGeom prst="rect">
+            <a:avLst/>
+          </a:prstGeom>
+        </p:spPr>
+        <p:txBody>
+          <a:bodyPr lIns="90000" tIns="45000" rIns="90000" bIns="45000"/>
+          <a:lstStyle/>
           <a:p>
             <a:pPr>
               <a:lnSpc>
@@ -3332,7 +3720,7 @@
                 </a:solidFill>
                 <a:latin typeface="Calibri"/>
               </a:rPr>
-              <a:t>&lt;number&gt;</a:t>
+              <a:t>‹#›</a:t>
             </a:fld>
             <a:endParaRPr/>
           </a:p>
@@ -3358,7 +3746,8 @@
           </a:prstGeom>
         </p:spPr>
         <p:txBody>
-          <a:bodyPr bIns="0" lIns="0" rIns="0" tIns="0" wrap="none"/>
+          <a:bodyPr wrap="none" lIns="0" tIns="0" rIns="0" bIns="0"/>
+          <a:lstStyle/>
           <a:p>
             <a:pPr>
               <a:buSzPct val="45000"/>
@@ -3447,32 +3836,38 @@
       </p:sp>
     </p:spTree>
   </p:cSld>
-  <p:clrMap accent1="accent1" accent2="accent2" accent3="accent3" accent4="accent4" accent5="accent5" accent6="accent6" bg1="lt1" bg2="lt2" folHlink="folHlink" hlink="hlink" tx1="dk1" tx2="dk2"/>
+  <p:clrMap bg1="lt1" tx1="dk1" bg2="lt2" tx2="dk2" accent1="accent1" accent2="accent2" accent3="accent3" accent4="accent4" accent5="accent5" accent6="accent6" hlink="hlink" folHlink="folHlink"/>
   <p:sldLayoutIdLst>
-    <p:sldLayoutId id="2147483649" r:id="rId2"/>
-    <p:sldLayoutId id="2147483650" r:id="rId3"/>
-    <p:sldLayoutId id="2147483651" r:id="rId4"/>
-    <p:sldLayoutId id="2147483652" r:id="rId5"/>
-    <p:sldLayoutId id="2147483653" r:id="rId6"/>
-    <p:sldLayoutId id="2147483654" r:id="rId7"/>
-    <p:sldLayoutId id="2147483655" r:id="rId8"/>
-    <p:sldLayoutId id="2147483656" r:id="rId9"/>
-    <p:sldLayoutId id="2147483657" r:id="rId10"/>
-    <p:sldLayoutId id="2147483658" r:id="rId11"/>
-    <p:sldLayoutId id="2147483659" r:id="rId12"/>
-    <p:sldLayoutId id="2147483660" r:id="rId13"/>
+    <p:sldLayoutId id="2147483649" r:id="rId1"/>
+    <p:sldLayoutId id="2147483650" r:id="rId2"/>
+    <p:sldLayoutId id="2147483651" r:id="rId3"/>
+    <p:sldLayoutId id="2147483652" r:id="rId4"/>
+    <p:sldLayoutId id="2147483653" r:id="rId5"/>
+    <p:sldLayoutId id="2147483654" r:id="rId6"/>
+    <p:sldLayoutId id="2147483655" r:id="rId7"/>
+    <p:sldLayoutId id="2147483656" r:id="rId8"/>
+    <p:sldLayoutId id="2147483657" r:id="rId9"/>
+    <p:sldLayoutId id="2147483658" r:id="rId10"/>
+    <p:sldLayoutId id="2147483659" r:id="rId11"/>
+    <p:sldLayoutId id="2147483660" r:id="rId12"/>
   </p:sldLayoutIdLst>
+  <p:txStyles>
+    <p:titleStyle/>
+    <p:bodyStyle/>
+    <p:otherStyle/>
+  </p:txStyles>
 </p:sldMaster>
 </file>
 
 <file path=ppt/slideMasters/slideMaster2.xml><?xml version="1.0" encoding="utf-8"?>
-<p:sldMaster xmlns:a="http://schemas.openxmlformats.org/drawingml/2006/main" xmlns:p="http://schemas.openxmlformats.org/presentationml/2006/main" xmlns:r="http://schemas.openxmlformats.org/officeDocument/2006/relationships">
+<p:sldMaster xmlns:a="http://schemas.openxmlformats.org/drawingml/2006/main" xmlns:r="http://schemas.openxmlformats.org/officeDocument/2006/relationships" xmlns:p="http://schemas.openxmlformats.org/presentationml/2006/main">
   <p:cSld>
     <p:bg>
       <p:bgPr>
         <a:solidFill>
-          <a:srgbClr val="ffffff"/>
+          <a:srgbClr val="FFFFFF"/>
         </a:solidFill>
+        <a:effectLst/>
       </p:bgPr>
     </p:bg>
     <p:spTree>
@@ -3510,6 +3905,7 @@
         </p:spPr>
         <p:txBody>
           <a:bodyPr anchor="ctr"/>
+          <a:lstStyle/>
           <a:p>
             <a:pPr algn="ctr">
               <a:lnSpc>
@@ -3550,6 +3946,7 @@
         </p:spPr>
         <p:txBody>
           <a:bodyPr/>
+          <a:lstStyle/>
           <a:p>
             <a:pPr>
               <a:buSzPct val="45000"/>
@@ -3762,14 +4159,15 @@
         <p:spPr>
           <a:xfrm>
             <a:off x="0" y="0"/>
-            <a:ext cx="-11796840" cy="-11796840"/>
-          </a:xfrm>
-          <a:prstGeom prst="rect">
-            <a:avLst/>
-          </a:prstGeom>
-        </p:spPr>
-        <p:txBody>
-          <a:bodyPr bIns="45000" lIns="90000" rIns="90000" tIns="45000"/>
+            <a:ext cx="0" cy="0"/>
+          </a:xfrm>
+          <a:prstGeom prst="rect">
+            <a:avLst/>
+          </a:prstGeom>
+        </p:spPr>
+        <p:txBody>
+          <a:bodyPr lIns="90000" tIns="45000" rIns="90000" bIns="45000"/>
+          <a:lstStyle/>
           <a:p>
             <a:pPr>
               <a:lnSpc>
@@ -3802,14 +4200,15 @@
         <p:spPr>
           <a:xfrm>
             <a:off x="0" y="0"/>
-            <a:ext cx="-11796840" cy="-11796840"/>
-          </a:xfrm>
-          <a:prstGeom prst="rect">
-            <a:avLst/>
-          </a:prstGeom>
-        </p:spPr>
-        <p:txBody>
-          <a:bodyPr bIns="45000" lIns="90000" rIns="90000" tIns="45000"/>
+            <a:ext cx="0" cy="0"/>
+          </a:xfrm>
+          <a:prstGeom prst="rect">
+            <a:avLst/>
+          </a:prstGeom>
+        </p:spPr>
+        <p:txBody>
+          <a:bodyPr lIns="90000" tIns="45000" rIns="90000" bIns="45000"/>
+          <a:lstStyle/>
           <a:p>
             <a:endParaRPr/>
           </a:p>
@@ -3828,14 +4227,15 @@
         <p:spPr>
           <a:xfrm>
             <a:off x="0" y="0"/>
-            <a:ext cx="-11796840" cy="-11796840"/>
-          </a:xfrm>
-          <a:prstGeom prst="rect">
-            <a:avLst/>
-          </a:prstGeom>
-        </p:spPr>
-        <p:txBody>
-          <a:bodyPr bIns="45000" lIns="90000" rIns="90000" tIns="45000"/>
+            <a:ext cx="0" cy="0"/>
+          </a:xfrm>
+          <a:prstGeom prst="rect">
+            <a:avLst/>
+          </a:prstGeom>
+        </p:spPr>
+        <p:txBody>
+          <a:bodyPr lIns="90000" tIns="45000" rIns="90000" bIns="45000"/>
+          <a:lstStyle/>
           <a:p>
             <a:pPr>
               <a:lnSpc>
@@ -3849,7 +4249,7 @@
                 </a:solidFill>
                 <a:latin typeface="Calibri"/>
               </a:rPr>
-              <a:t>&lt;number&gt;</a:t>
+              <a:t>‹#›</a:t>
             </a:fld>
             <a:endParaRPr/>
           </a:p>
@@ -3857,26 +4257,31 @@
       </p:sp>
     </p:spTree>
   </p:cSld>
-  <p:clrMap accent1="accent1" accent2="accent2" accent3="accent3" accent4="accent4" accent5="accent5" accent6="accent6" bg1="lt1" bg2="lt2" folHlink="folHlink" hlink="hlink" tx1="dk1" tx2="dk2"/>
+  <p:clrMap bg1="lt1" tx1="dk1" bg2="lt2" tx2="dk2" accent1="accent1" accent2="accent2" accent3="accent3" accent4="accent4" accent5="accent5" accent6="accent6" hlink="hlink" folHlink="folHlink"/>
   <p:sldLayoutIdLst>
-    <p:sldLayoutId id="2147483662" r:id="rId2"/>
-    <p:sldLayoutId id="2147483663" r:id="rId3"/>
-    <p:sldLayoutId id="2147483664" r:id="rId4"/>
-    <p:sldLayoutId id="2147483665" r:id="rId5"/>
-    <p:sldLayoutId id="2147483666" r:id="rId6"/>
-    <p:sldLayoutId id="2147483667" r:id="rId7"/>
-    <p:sldLayoutId id="2147483668" r:id="rId8"/>
-    <p:sldLayoutId id="2147483669" r:id="rId9"/>
-    <p:sldLayoutId id="2147483670" r:id="rId10"/>
-    <p:sldLayoutId id="2147483671" r:id="rId11"/>
-    <p:sldLayoutId id="2147483672" r:id="rId12"/>
-    <p:sldLayoutId id="2147483673" r:id="rId13"/>
+    <p:sldLayoutId id="2147483662" r:id="rId1"/>
+    <p:sldLayoutId id="2147483663" r:id="rId2"/>
+    <p:sldLayoutId id="2147483664" r:id="rId3"/>
+    <p:sldLayoutId id="2147483665" r:id="rId4"/>
+    <p:sldLayoutId id="2147483666" r:id="rId5"/>
+    <p:sldLayoutId id="2147483667" r:id="rId6"/>
+    <p:sldLayoutId id="2147483668" r:id="rId7"/>
+    <p:sldLayoutId id="2147483669" r:id="rId8"/>
+    <p:sldLayoutId id="2147483670" r:id="rId9"/>
+    <p:sldLayoutId id="2147483671" r:id="rId10"/>
+    <p:sldLayoutId id="2147483672" r:id="rId11"/>
+    <p:sldLayoutId id="2147483673" r:id="rId12"/>
   </p:sldLayoutIdLst>
+  <p:txStyles>
+    <p:titleStyle/>
+    <p:bodyStyle/>
+    <p:otherStyle/>
+  </p:txStyles>
 </p:sldMaster>
 </file>
 
 <file path=ppt/slides/slide1.xml><?xml version="1.0" encoding="utf-8"?>
-<p:sld xmlns:a="http://schemas.openxmlformats.org/drawingml/2006/main" xmlns:p="http://schemas.openxmlformats.org/presentationml/2006/main" xmlns:r="http://schemas.openxmlformats.org/officeDocument/2006/relationships">
+<p:sld xmlns:a="http://schemas.openxmlformats.org/drawingml/2006/main" xmlns:r="http://schemas.openxmlformats.org/officeDocument/2006/relationships" xmlns:p="http://schemas.openxmlformats.org/presentationml/2006/main">
   <p:cSld>
     <p:spTree>
       <p:nvGrpSpPr>
@@ -3909,6 +4314,7 @@
         </p:spPr>
         <p:txBody>
           <a:bodyPr anchor="ctr"/>
+          <a:lstStyle/>
           <a:p>
             <a:pPr algn="ctr">
               <a:lnSpc>
@@ -3945,6 +4351,7 @@
         </p:spPr>
         <p:txBody>
           <a:bodyPr/>
+          <a:lstStyle/>
           <a:p>
             <a:pPr algn="ctr">
               <a:lnSpc>
@@ -3952,9 +4359,9 @@
               </a:lnSpc>
             </a:pPr>
             <a:r>
-              <a:rPr b="1" lang="en-US" sz="3200">
+              <a:rPr lang="en-US" sz="3200" b="1">
                 <a:solidFill>
-                  <a:srgbClr val="8b8b8b"/>
+                  <a:srgbClr val="8B8B8B"/>
                 </a:solidFill>
                 <a:latin typeface="Calibri"/>
               </a:rPr>
@@ -3966,11 +4373,14 @@
       </p:sp>
     </p:spTree>
   </p:cSld>
+  <p:clrMapOvr>
+    <a:masterClrMapping/>
+  </p:clrMapOvr>
 </p:sld>
 </file>
 
 <file path=ppt/slides/slide10.xml><?xml version="1.0" encoding="utf-8"?>
-<p:sld xmlns:a="http://schemas.openxmlformats.org/drawingml/2006/main" xmlns:p="http://schemas.openxmlformats.org/presentationml/2006/main" xmlns:r="http://schemas.openxmlformats.org/officeDocument/2006/relationships">
+<p:sld xmlns:a="http://schemas.openxmlformats.org/drawingml/2006/main" xmlns:r="http://schemas.openxmlformats.org/officeDocument/2006/relationships" xmlns:p="http://schemas.openxmlformats.org/presentationml/2006/main">
   <p:cSld>
     <p:spTree>
       <p:nvGrpSpPr>
@@ -4003,6 +4413,7 @@
         </p:spPr>
         <p:txBody>
           <a:bodyPr anchor="ctr"/>
+          <a:lstStyle/>
           <a:p>
             <a:pPr algn="ctr">
               <a:lnSpc>
@@ -4039,6 +4450,7 @@
         </p:spPr>
         <p:txBody>
           <a:bodyPr/>
+          <a:lstStyle/>
           <a:p>
             <a:pPr>
               <a:lnSpc>
@@ -4060,11 +4472,14 @@
       </p:sp>
     </p:spTree>
   </p:cSld>
+  <p:clrMapOvr>
+    <a:masterClrMapping/>
+  </p:clrMapOvr>
 </p:sld>
 </file>
 
 <file path=ppt/slides/slide11.xml><?xml version="1.0" encoding="utf-8"?>
-<p:sld xmlns:a="http://schemas.openxmlformats.org/drawingml/2006/main" xmlns:p="http://schemas.openxmlformats.org/presentationml/2006/main" xmlns:r="http://schemas.openxmlformats.org/officeDocument/2006/relationships">
+<p:sld xmlns:a="http://schemas.openxmlformats.org/drawingml/2006/main" xmlns:r="http://schemas.openxmlformats.org/officeDocument/2006/relationships" xmlns:p="http://schemas.openxmlformats.org/presentationml/2006/main">
   <p:cSld>
     <p:spTree>
       <p:nvGrpSpPr>
@@ -4097,6 +4512,7 @@
         </p:spPr>
         <p:txBody>
           <a:bodyPr anchor="ctr"/>
+          <a:lstStyle/>
           <a:p>
             <a:pPr algn="ctr">
               <a:lnSpc>
@@ -4118,11 +4534,14 @@
       </p:sp>
     </p:spTree>
   </p:cSld>
+  <p:clrMapOvr>
+    <a:masterClrMapping/>
+  </p:clrMapOvr>
 </p:sld>
 </file>
 
 <file path=ppt/slides/slide12.xml><?xml version="1.0" encoding="utf-8"?>
-<p:sld xmlns:a="http://schemas.openxmlformats.org/drawingml/2006/main" xmlns:p="http://schemas.openxmlformats.org/presentationml/2006/main" xmlns:r="http://schemas.openxmlformats.org/officeDocument/2006/relationships">
+<p:sld xmlns:a="http://schemas.openxmlformats.org/drawingml/2006/main" xmlns:r="http://schemas.openxmlformats.org/officeDocument/2006/relationships" xmlns:p="http://schemas.openxmlformats.org/presentationml/2006/main">
   <p:cSld>
     <p:spTree>
       <p:nvGrpSpPr>
@@ -4155,6 +4574,7 @@
         </p:spPr>
         <p:txBody>
           <a:bodyPr anchor="ctr"/>
+          <a:lstStyle/>
           <a:p>
             <a:pPr algn="ctr">
               <a:lnSpc>
@@ -4191,6 +4611,7 @@
         </p:spPr>
         <p:txBody>
           <a:bodyPr/>
+          <a:lstStyle/>
           <a:p>
             <a:pPr>
               <a:lnSpc>
@@ -4229,11 +4650,14 @@
       </p:sp>
     </p:spTree>
   </p:cSld>
+  <p:clrMapOvr>
+    <a:masterClrMapping/>
+  </p:clrMapOvr>
 </p:sld>
 </file>
 
 <file path=ppt/slides/slide13.xml><?xml version="1.0" encoding="utf-8"?>
-<p:sld xmlns:a="http://schemas.openxmlformats.org/drawingml/2006/main" xmlns:p="http://schemas.openxmlformats.org/presentationml/2006/main" xmlns:r="http://schemas.openxmlformats.org/officeDocument/2006/relationships">
+<p:sld xmlns:a="http://schemas.openxmlformats.org/drawingml/2006/main" xmlns:r="http://schemas.openxmlformats.org/officeDocument/2006/relationships" xmlns:p="http://schemas.openxmlformats.org/presentationml/2006/main">
   <p:cSld>
     <p:spTree>
       <p:nvGrpSpPr>
@@ -4266,6 +4690,7 @@
         </p:spPr>
         <p:txBody>
           <a:bodyPr anchor="ctr"/>
+          <a:lstStyle/>
           <a:p>
             <a:pPr algn="ctr">
               <a:lnSpc>
@@ -4287,11 +4712,14 @@
       </p:sp>
     </p:spTree>
   </p:cSld>
+  <p:clrMapOvr>
+    <a:masterClrMapping/>
+  </p:clrMapOvr>
 </p:sld>
 </file>
 
 <file path=ppt/slides/slide14.xml><?xml version="1.0" encoding="utf-8"?>
-<p:sld xmlns:a="http://schemas.openxmlformats.org/drawingml/2006/main" xmlns:p="http://schemas.openxmlformats.org/presentationml/2006/main" xmlns:r="http://schemas.openxmlformats.org/officeDocument/2006/relationships">
+<p:sld xmlns:a="http://schemas.openxmlformats.org/drawingml/2006/main" xmlns:r="http://schemas.openxmlformats.org/officeDocument/2006/relationships" xmlns:p="http://schemas.openxmlformats.org/presentationml/2006/main">
   <p:cSld>
     <p:spTree>
       <p:nvGrpSpPr>
@@ -4324,6 +4752,7 @@
         </p:spPr>
         <p:txBody>
           <a:bodyPr anchor="ctr"/>
+          <a:lstStyle/>
           <a:p>
             <a:pPr algn="ctr">
               <a:lnSpc>
@@ -4360,6 +4789,7 @@
         </p:spPr>
         <p:txBody>
           <a:bodyPr/>
+          <a:lstStyle/>
           <a:p>
             <a:pPr>
               <a:lnSpc>
@@ -4381,11 +4811,14 @@
       </p:sp>
     </p:spTree>
   </p:cSld>
+  <p:clrMapOvr>
+    <a:masterClrMapping/>
+  </p:clrMapOvr>
 </p:sld>
 </file>
 
 <file path=ppt/slides/slide15.xml><?xml version="1.0" encoding="utf-8"?>
-<p:sld xmlns:a="http://schemas.openxmlformats.org/drawingml/2006/main" xmlns:p="http://schemas.openxmlformats.org/presentationml/2006/main" xmlns:r="http://schemas.openxmlformats.org/officeDocument/2006/relationships">
+<p:sld xmlns:a="http://schemas.openxmlformats.org/drawingml/2006/main" xmlns:r="http://schemas.openxmlformats.org/officeDocument/2006/relationships" xmlns:p="http://schemas.openxmlformats.org/presentationml/2006/main">
   <p:cSld>
     <p:spTree>
       <p:nvGrpSpPr>
@@ -4418,6 +4851,7 @@
         </p:spPr>
         <p:txBody>
           <a:bodyPr anchor="ctr"/>
+          <a:lstStyle/>
           <a:p>
             <a:pPr algn="ctr">
               <a:lnSpc>
@@ -4454,6 +4888,7 @@
         </p:spPr>
         <p:txBody>
           <a:bodyPr anchor="ctr"/>
+          <a:lstStyle/>
           <a:p>
             <a:pPr algn="ctr">
               <a:lnSpc>
@@ -4467,45 +4902,9 @@
                 </a:solidFill>
                 <a:latin typeface="Calibri"/>
               </a:rPr>
-              <a:t>Classical</a:t>
-            </a:r>
-            <a:r>
-              <a:rPr lang="en-US" sz="4400">
-                <a:solidFill>
-                  <a:srgbClr val="000000"/>
-                </a:solidFill>
-                <a:latin typeface="Calibri"/>
-              </a:rPr>
-              <a:t>
-</a:t>
-            </a:r>
-            <a:r>
-              <a:rPr lang="en-US" sz="4400">
-                <a:solidFill>
-                  <a:srgbClr val="000000"/>
-                </a:solidFill>
-                <a:latin typeface="Calibri"/>
-              </a:rPr>
-              <a:t>Prototypal</a:t>
-            </a:r>
-            <a:r>
-              <a:rPr lang="en-US" sz="4400">
-                <a:solidFill>
-                  <a:srgbClr val="000000"/>
-                </a:solidFill>
-                <a:latin typeface="Calibri"/>
-              </a:rPr>
-              <a:t>
-</a:t>
-            </a:r>
-            <a:r>
-              <a:rPr lang="en-US" sz="4400">
-                <a:solidFill>
-                  <a:srgbClr val="000000"/>
-                </a:solidFill>
-                <a:latin typeface="Calibri"/>
-              </a:rPr>
-              <a:t>Copy Based</a:t>
+              <a:t>Classical
+Prototypal
+Copy Based</a:t>
             </a:r>
             <a:endParaRPr/>
           </a:p>
@@ -4513,24 +4912,31 @@
       </p:sp>
     </p:spTree>
   </p:cSld>
+  <p:clrMapOvr>
+    <a:masterClrMapping/>
+  </p:clrMapOvr>
   <p:timing>
     <p:tnLst>
       <p:par>
-        <p:cTn dur="indefinite" id="9" nodeType="tmRoot" restart="never">
+        <p:cTn id="1" dur="indefinite" restart="never" nodeType="tmRoot">
           <p:childTnLst>
             <p:seq>
-              <p:cTn id="10" nodeType="mainSeq">
-                <p:childTnLst/>
+              <p:cTn id="2" nodeType="mainSeq">
+                <p:childTnLst>
+                  <p:par>
+                    <p:cTn id="3"/>
+                  </p:par>
+                </p:childTnLst>
               </p:cTn>
               <p:prevCondLst>
-                <p:cond delay="0" evt="onPrev">
+                <p:cond evt="onPrev" delay="0">
                   <p:tgtEl>
                     <p:sldTgt/>
                   </p:tgtEl>
                 </p:cond>
               </p:prevCondLst>
               <p:nextCondLst>
-                <p:cond delay="0" evt="onNext">
+                <p:cond evt="onNext" delay="0">
                   <p:tgtEl>
                     <p:sldTgt/>
                   </p:tgtEl>
@@ -4546,7 +4952,7 @@
 </file>
 
 <file path=ppt/slides/slide16.xml><?xml version="1.0" encoding="utf-8"?>
-<p:sld xmlns:a="http://schemas.openxmlformats.org/drawingml/2006/main" xmlns:p="http://schemas.openxmlformats.org/presentationml/2006/main" xmlns:r="http://schemas.openxmlformats.org/officeDocument/2006/relationships">
+<p:sld xmlns:a="http://schemas.openxmlformats.org/drawingml/2006/main" xmlns:r="http://schemas.openxmlformats.org/officeDocument/2006/relationships" xmlns:p="http://schemas.openxmlformats.org/presentationml/2006/main">
   <p:cSld>
     <p:spTree>
       <p:nvGrpSpPr>
@@ -4579,6 +4985,7 @@
         </p:spPr>
         <p:txBody>
           <a:bodyPr anchor="ctr"/>
+          <a:lstStyle/>
           <a:p>
             <a:pPr algn="ctr">
               <a:lnSpc>
@@ -4600,24 +5007,31 @@
       </p:sp>
     </p:spTree>
   </p:cSld>
+  <p:clrMapOvr>
+    <a:masterClrMapping/>
+  </p:clrMapOvr>
   <p:timing>
     <p:tnLst>
       <p:par>
-        <p:cTn dur="indefinite" id="11" nodeType="tmRoot" restart="never">
+        <p:cTn id="1" dur="indefinite" restart="never" nodeType="tmRoot">
           <p:childTnLst>
             <p:seq>
-              <p:cTn id="12" nodeType="mainSeq">
-                <p:childTnLst/>
+              <p:cTn id="2" nodeType="mainSeq">
+                <p:childTnLst>
+                  <p:par>
+                    <p:cTn id="3"/>
+                  </p:par>
+                </p:childTnLst>
               </p:cTn>
               <p:prevCondLst>
-                <p:cond delay="0" evt="onPrev">
+                <p:cond evt="onPrev" delay="0">
                   <p:tgtEl>
                     <p:sldTgt/>
                   </p:tgtEl>
                 </p:cond>
               </p:prevCondLst>
               <p:nextCondLst>
-                <p:cond delay="0" evt="onNext">
+                <p:cond evt="onNext" delay="0">
                   <p:tgtEl>
                     <p:sldTgt/>
                   </p:tgtEl>
@@ -4633,7 +5047,7 @@
 </file>
 
 <file path=ppt/slides/slide17.xml><?xml version="1.0" encoding="utf-8"?>
-<p:sld xmlns:a="http://schemas.openxmlformats.org/drawingml/2006/main" xmlns:p="http://schemas.openxmlformats.org/presentationml/2006/main" xmlns:r="http://schemas.openxmlformats.org/officeDocument/2006/relationships">
+<p:sld xmlns:a="http://schemas.openxmlformats.org/drawingml/2006/main" xmlns:r="http://schemas.openxmlformats.org/officeDocument/2006/relationships" xmlns:p="http://schemas.openxmlformats.org/presentationml/2006/main">
   <p:cSld>
     <p:spTree>
       <p:nvGrpSpPr>
@@ -4666,6 +5080,7 @@
         </p:spPr>
         <p:txBody>
           <a:bodyPr anchor="ctr"/>
+          <a:lstStyle/>
           <a:p>
             <a:pPr algn="ctr">
               <a:lnSpc>
@@ -4673,38 +5088,80 @@
               </a:lnSpc>
             </a:pPr>
             <a:r>
-              <a:rPr lang="en-US" sz="4400">
+              <a:rPr lang="en-US" sz="4400" dirty="0">
                 <a:solidFill>
                   <a:srgbClr val="000000"/>
                 </a:solidFill>
                 <a:latin typeface="Calibri"/>
               </a:rPr>
-              <a:t>Thank You</a:t>
+              <a:t>Thank </a:t>
             </a:r>
-            <a:endParaRPr/>
+            <a:r>
+              <a:rPr lang="en-US" sz="4400" dirty="0" smtClean="0">
+                <a:solidFill>
+                  <a:srgbClr val="000000"/>
+                </a:solidFill>
+                <a:latin typeface="Calibri"/>
+              </a:rPr>
+              <a:t>You</a:t>
+            </a:r>
+          </a:p>
+          <a:p>
+            <a:pPr algn="ctr">
+              <a:lnSpc>
+                <a:spcPct val="100000"/>
+              </a:lnSpc>
+            </a:pPr>
+            <a:endParaRPr lang="en-US" sz="4400" dirty="0">
+              <a:solidFill>
+                <a:srgbClr val="000000"/>
+              </a:solidFill>
+              <a:latin typeface="Calibri"/>
+            </a:endParaRPr>
+          </a:p>
+          <a:p>
+            <a:pPr algn="ctr">
+              <a:lnSpc>
+                <a:spcPct val="100000"/>
+              </a:lnSpc>
+            </a:pPr>
+            <a:r>
+              <a:rPr lang="en-US" dirty="0" smtClean="0">
+                <a:hlinkClick r:id="rId3"/>
+              </a:rPr>
+              <a:t>https://github.com/JadJabbour/JSOOWorkshop</a:t>
+            </a:r>
+            <a:endParaRPr dirty="0"/>
           </a:p>
         </p:txBody>
       </p:sp>
     </p:spTree>
   </p:cSld>
+  <p:clrMapOvr>
+    <a:masterClrMapping/>
+  </p:clrMapOvr>
   <p:timing>
     <p:tnLst>
       <p:par>
-        <p:cTn dur="indefinite" id="13" nodeType="tmRoot" restart="never">
+        <p:cTn id="1" dur="indefinite" restart="never" nodeType="tmRoot">
           <p:childTnLst>
             <p:seq>
-              <p:cTn id="14" nodeType="mainSeq">
-                <p:childTnLst/>
+              <p:cTn id="2" nodeType="mainSeq">
+                <p:childTnLst>
+                  <p:par>
+                    <p:cTn id="3"/>
+                  </p:par>
+                </p:childTnLst>
               </p:cTn>
               <p:prevCondLst>
-                <p:cond delay="0" evt="onPrev">
+                <p:cond evt="onPrev" delay="0">
                   <p:tgtEl>
                     <p:sldTgt/>
                   </p:tgtEl>
                 </p:cond>
               </p:prevCondLst>
               <p:nextCondLst>
-                <p:cond delay="0" evt="onNext">
+                <p:cond evt="onNext" delay="0">
                   <p:tgtEl>
                     <p:sldTgt/>
                   </p:tgtEl>
@@ -4720,7 +5177,7 @@
 </file>
 
 <file path=ppt/slides/slide2.xml><?xml version="1.0" encoding="utf-8"?>
-<p:sld xmlns:a="http://schemas.openxmlformats.org/drawingml/2006/main" xmlns:p="http://schemas.openxmlformats.org/presentationml/2006/main" xmlns:r="http://schemas.openxmlformats.org/officeDocument/2006/relationships">
+<p:sld xmlns:a="http://schemas.openxmlformats.org/drawingml/2006/main" xmlns:r="http://schemas.openxmlformats.org/officeDocument/2006/relationships" xmlns:p="http://schemas.openxmlformats.org/presentationml/2006/main">
   <p:cSld>
     <p:spTree>
       <p:nvGrpSpPr>
@@ -4753,6 +5210,7 @@
         </p:spPr>
         <p:txBody>
           <a:bodyPr anchor="ctr"/>
+          <a:lstStyle/>
           <a:p>
             <a:pPr algn="ctr">
               <a:lnSpc>
@@ -4789,6 +5247,7 @@
         </p:spPr>
         <p:txBody>
           <a:bodyPr/>
+          <a:lstStyle/>
           <a:p>
             <a:pPr>
               <a:lnSpc>
@@ -4810,11 +5269,14 @@
       </p:sp>
     </p:spTree>
   </p:cSld>
+  <p:clrMapOvr>
+    <a:masterClrMapping/>
+  </p:clrMapOvr>
 </p:sld>
 </file>
 
 <file path=ppt/slides/slide3.xml><?xml version="1.0" encoding="utf-8"?>
-<p:sld xmlns:a="http://schemas.openxmlformats.org/drawingml/2006/main" xmlns:p="http://schemas.openxmlformats.org/presentationml/2006/main" xmlns:r="http://schemas.openxmlformats.org/officeDocument/2006/relationships">
+<p:sld xmlns:a="http://schemas.openxmlformats.org/drawingml/2006/main" xmlns:r="http://schemas.openxmlformats.org/officeDocument/2006/relationships" xmlns:p="http://schemas.openxmlformats.org/presentationml/2006/main">
   <p:cSld>
     <p:spTree>
       <p:nvGrpSpPr>
@@ -4847,6 +5309,7 @@
         </p:spPr>
         <p:txBody>
           <a:bodyPr anchor="ctr"/>
+          <a:lstStyle/>
           <a:p>
             <a:pPr algn="ctr">
               <a:lnSpc>
@@ -4883,6 +5346,7 @@
         </p:spPr>
         <p:txBody>
           <a:bodyPr/>
+          <a:lstStyle/>
           <a:p>
             <a:pPr>
               <a:lnSpc>
@@ -4904,11 +5368,14 @@
       </p:sp>
     </p:spTree>
   </p:cSld>
+  <p:clrMapOvr>
+    <a:masterClrMapping/>
+  </p:clrMapOvr>
 </p:sld>
 </file>
 
 <file path=ppt/slides/slide4.xml><?xml version="1.0" encoding="utf-8"?>
-<p:sld xmlns:a="http://schemas.openxmlformats.org/drawingml/2006/main" xmlns:p="http://schemas.openxmlformats.org/presentationml/2006/main" xmlns:r="http://schemas.openxmlformats.org/officeDocument/2006/relationships">
+<p:sld xmlns:a="http://schemas.openxmlformats.org/drawingml/2006/main" xmlns:r="http://schemas.openxmlformats.org/officeDocument/2006/relationships" xmlns:p="http://schemas.openxmlformats.org/presentationml/2006/main">
   <p:cSld>
     <p:spTree>
       <p:nvGrpSpPr>
@@ -4941,6 +5408,7 @@
         </p:spPr>
         <p:txBody>
           <a:bodyPr anchor="ctr"/>
+          <a:lstStyle/>
           <a:p>
             <a:pPr algn="ctr">
               <a:lnSpc>
@@ -4993,6 +5461,7 @@
         </p:spPr>
         <p:txBody>
           <a:bodyPr anchor="ctr"/>
+          <a:lstStyle/>
           <a:p>
             <a:pPr algn="ctr">
               <a:lnSpc>
@@ -5006,64 +5475,10 @@
                 </a:solidFill>
                 <a:latin typeface="Calibri"/>
               </a:rPr>
-              <a:t>JSON string</a:t>
-            </a:r>
-            <a:r>
-              <a:rPr lang="en-US" sz="4400">
-                <a:solidFill>
-                  <a:srgbClr val="000000"/>
-                </a:solidFill>
-                <a:latin typeface="Calibri"/>
-              </a:rPr>
-              <a:t>
-</a:t>
-            </a:r>
-            <a:r>
-              <a:rPr lang="en-US" sz="4400">
-                <a:solidFill>
-                  <a:srgbClr val="000000"/>
-                </a:solidFill>
-                <a:latin typeface="Calibri"/>
-              </a:rPr>
-              <a:t>JSON object</a:t>
-            </a:r>
-            <a:r>
-              <a:rPr lang="en-US" sz="4400">
-                <a:solidFill>
-                  <a:srgbClr val="000000"/>
-                </a:solidFill>
-                <a:latin typeface="Calibri"/>
-              </a:rPr>
-              <a:t>
-</a:t>
-            </a:r>
-            <a:r>
-              <a:rPr lang="en-US" sz="4400">
-                <a:solidFill>
-                  <a:srgbClr val="000000"/>
-                </a:solidFill>
-                <a:latin typeface="Calibri"/>
-              </a:rPr>
-              <a:t>Private/Public/Privileged Methods</a:t>
-            </a:r>
-            <a:r>
-              <a:rPr lang="en-US" sz="4400">
-                <a:solidFill>
-                  <a:srgbClr val="000000"/>
-                </a:solidFill>
-                <a:latin typeface="Calibri"/>
-              </a:rPr>
-              <a:t>
-</a:t>
-            </a:r>
-            <a:r>
-              <a:rPr lang="en-US" sz="4400">
-                <a:solidFill>
-                  <a:srgbClr val="000000"/>
-                </a:solidFill>
-                <a:latin typeface="Calibri"/>
-              </a:rPr>
-              <a:t>Public/Private Members</a:t>
+              <a:t>JSON string
+JSON object
+Private/Public/Privileged Methods
+Public/Private Members</a:t>
             </a:r>
             <a:endParaRPr/>
           </a:p>
@@ -5071,24 +5486,31 @@
       </p:sp>
     </p:spTree>
   </p:cSld>
+  <p:clrMapOvr>
+    <a:masterClrMapping/>
+  </p:clrMapOvr>
   <p:timing>
     <p:tnLst>
       <p:par>
-        <p:cTn dur="indefinite" id="1" nodeType="tmRoot" restart="never">
+        <p:cTn id="1" dur="indefinite" restart="never" nodeType="tmRoot">
           <p:childTnLst>
             <p:seq>
               <p:cTn id="2" nodeType="mainSeq">
-                <p:childTnLst/>
+                <p:childTnLst>
+                  <p:par>
+                    <p:cTn id="3"/>
+                  </p:par>
+                </p:childTnLst>
               </p:cTn>
               <p:prevCondLst>
-                <p:cond delay="0" evt="onPrev">
+                <p:cond evt="onPrev" delay="0">
                   <p:tgtEl>
                     <p:sldTgt/>
                   </p:tgtEl>
                 </p:cond>
               </p:prevCondLst>
               <p:nextCondLst>
-                <p:cond delay="0" evt="onNext">
+                <p:cond evt="onNext" delay="0">
                   <p:tgtEl>
                     <p:sldTgt/>
                   </p:tgtEl>
@@ -5104,7 +5526,7 @@
 </file>
 
 <file path=ppt/slides/slide5.xml><?xml version="1.0" encoding="utf-8"?>
-<p:sld xmlns:a="http://schemas.openxmlformats.org/drawingml/2006/main" xmlns:p="http://schemas.openxmlformats.org/presentationml/2006/main" xmlns:r="http://schemas.openxmlformats.org/officeDocument/2006/relationships">
+<p:sld xmlns:a="http://schemas.openxmlformats.org/drawingml/2006/main" xmlns:r="http://schemas.openxmlformats.org/officeDocument/2006/relationships" xmlns:p="http://schemas.openxmlformats.org/presentationml/2006/main">
   <p:cSld>
     <p:spTree>
       <p:nvGrpSpPr>
@@ -5137,6 +5559,7 @@
         </p:spPr>
         <p:txBody>
           <a:bodyPr anchor="ctr"/>
+          <a:lstStyle/>
           <a:p>
             <a:pPr algn="ctr">
               <a:lnSpc>
@@ -5173,6 +5596,7 @@
         </p:spPr>
         <p:txBody>
           <a:bodyPr/>
+          <a:lstStyle/>
           <a:p>
             <a:pPr>
               <a:lnSpc>
@@ -5202,24 +5626,31 @@
       </p:sp>
     </p:spTree>
   </p:cSld>
+  <p:clrMapOvr>
+    <a:masterClrMapping/>
+  </p:clrMapOvr>
   <p:timing>
     <p:tnLst>
       <p:par>
-        <p:cTn dur="indefinite" id="3" nodeType="tmRoot" restart="never">
+        <p:cTn id="1" dur="indefinite" restart="never" nodeType="tmRoot">
           <p:childTnLst>
             <p:seq>
-              <p:cTn id="4" nodeType="mainSeq">
-                <p:childTnLst/>
+              <p:cTn id="2" nodeType="mainSeq">
+                <p:childTnLst>
+                  <p:par>
+                    <p:cTn id="3"/>
+                  </p:par>
+                </p:childTnLst>
               </p:cTn>
               <p:prevCondLst>
-                <p:cond delay="0" evt="onPrev">
+                <p:cond evt="onPrev" delay="0">
                   <p:tgtEl>
                     <p:sldTgt/>
                   </p:tgtEl>
                 </p:cond>
               </p:prevCondLst>
               <p:nextCondLst>
-                <p:cond delay="0" evt="onNext">
+                <p:cond evt="onNext" delay="0">
                   <p:tgtEl>
                     <p:sldTgt/>
                   </p:tgtEl>
@@ -5235,7 +5666,7 @@
 </file>
 
 <file path=ppt/slides/slide6.xml><?xml version="1.0" encoding="utf-8"?>
-<p:sld xmlns:a="http://schemas.openxmlformats.org/drawingml/2006/main" xmlns:p="http://schemas.openxmlformats.org/presentationml/2006/main" xmlns:r="http://schemas.openxmlformats.org/officeDocument/2006/relationships">
+<p:sld xmlns:a="http://schemas.openxmlformats.org/drawingml/2006/main" xmlns:r="http://schemas.openxmlformats.org/officeDocument/2006/relationships" xmlns:p="http://schemas.openxmlformats.org/presentationml/2006/main">
   <p:cSld>
     <p:spTree>
       <p:nvGrpSpPr>
@@ -5268,6 +5699,7 @@
         </p:spPr>
         <p:txBody>
           <a:bodyPr anchor="ctr"/>
+          <a:lstStyle/>
           <a:p>
             <a:pPr algn="ctr">
               <a:lnSpc>
@@ -5289,24 +5721,31 @@
       </p:sp>
     </p:spTree>
   </p:cSld>
+  <p:clrMapOvr>
+    <a:masterClrMapping/>
+  </p:clrMapOvr>
   <p:timing>
     <p:tnLst>
       <p:par>
-        <p:cTn dur="indefinite" id="5" nodeType="tmRoot" restart="never">
+        <p:cTn id="1" dur="indefinite" restart="never" nodeType="tmRoot">
           <p:childTnLst>
             <p:seq>
-              <p:cTn id="6" nodeType="mainSeq">
-                <p:childTnLst/>
+              <p:cTn id="2" nodeType="mainSeq">
+                <p:childTnLst>
+                  <p:par>
+                    <p:cTn id="3"/>
+                  </p:par>
+                </p:childTnLst>
               </p:cTn>
               <p:prevCondLst>
-                <p:cond delay="0" evt="onPrev">
+                <p:cond evt="onPrev" delay="0">
                   <p:tgtEl>
                     <p:sldTgt/>
                   </p:tgtEl>
                 </p:cond>
               </p:prevCondLst>
               <p:nextCondLst>
-                <p:cond delay="0" evt="onNext">
+                <p:cond evt="onNext" delay="0">
                   <p:tgtEl>
                     <p:sldTgt/>
                   </p:tgtEl>
@@ -5322,7 +5761,7 @@
 </file>
 
 <file path=ppt/slides/slide7.xml><?xml version="1.0" encoding="utf-8"?>
-<p:sld xmlns:a="http://schemas.openxmlformats.org/drawingml/2006/main" xmlns:p="http://schemas.openxmlformats.org/presentationml/2006/main" xmlns:r="http://schemas.openxmlformats.org/officeDocument/2006/relationships">
+<p:sld xmlns:a="http://schemas.openxmlformats.org/drawingml/2006/main" xmlns:r="http://schemas.openxmlformats.org/officeDocument/2006/relationships" xmlns:p="http://schemas.openxmlformats.org/presentationml/2006/main">
   <p:cSld>
     <p:spTree>
       <p:nvGrpSpPr>
@@ -5355,6 +5794,7 @@
         </p:spPr>
         <p:txBody>
           <a:bodyPr anchor="ctr"/>
+          <a:lstStyle/>
           <a:p>
             <a:pPr algn="ctr">
               <a:lnSpc>
@@ -5391,6 +5831,7 @@
         </p:spPr>
         <p:txBody>
           <a:bodyPr/>
+          <a:lstStyle/>
           <a:p>
             <a:pPr>
               <a:lnSpc>
@@ -5412,11 +5853,14 @@
       </p:sp>
     </p:spTree>
   </p:cSld>
+  <p:clrMapOvr>
+    <a:masterClrMapping/>
+  </p:clrMapOvr>
 </p:sld>
 </file>
 
 <file path=ppt/slides/slide8.xml><?xml version="1.0" encoding="utf-8"?>
-<p:sld xmlns:a="http://schemas.openxmlformats.org/drawingml/2006/main" xmlns:p="http://schemas.openxmlformats.org/presentationml/2006/main" xmlns:r="http://schemas.openxmlformats.org/officeDocument/2006/relationships">
+<p:sld xmlns:a="http://schemas.openxmlformats.org/drawingml/2006/main" xmlns:r="http://schemas.openxmlformats.org/officeDocument/2006/relationships" xmlns:p="http://schemas.openxmlformats.org/presentationml/2006/main">
   <p:cSld>
     <p:spTree>
       <p:nvGrpSpPr>
@@ -5449,6 +5893,7 @@
         </p:spPr>
         <p:txBody>
           <a:bodyPr anchor="ctr"/>
+          <a:lstStyle/>
           <a:p>
             <a:pPr algn="ctr">
               <a:lnSpc>
@@ -5485,6 +5930,7 @@
         </p:spPr>
         <p:txBody>
           <a:bodyPr/>
+          <a:lstStyle/>
           <a:p>
             <a:pPr>
               <a:lnSpc>
@@ -5523,11 +5969,14 @@
       </p:sp>
     </p:spTree>
   </p:cSld>
+  <p:clrMapOvr>
+    <a:masterClrMapping/>
+  </p:clrMapOvr>
 </p:sld>
 </file>
 
 <file path=ppt/slides/slide9.xml><?xml version="1.0" encoding="utf-8"?>
-<p:sld xmlns:a="http://schemas.openxmlformats.org/drawingml/2006/main" xmlns:p="http://schemas.openxmlformats.org/presentationml/2006/main" xmlns:r="http://schemas.openxmlformats.org/officeDocument/2006/relationships">
+<p:sld xmlns:a="http://schemas.openxmlformats.org/drawingml/2006/main" xmlns:r="http://schemas.openxmlformats.org/officeDocument/2006/relationships" xmlns:p="http://schemas.openxmlformats.org/presentationml/2006/main">
   <p:cSld>
     <p:spTree>
       <p:nvGrpSpPr>
@@ -5560,6 +6009,7 @@
         </p:spPr>
         <p:txBody>
           <a:bodyPr anchor="ctr"/>
+          <a:lstStyle/>
           <a:p>
             <a:pPr algn="ctr">
               <a:lnSpc>
@@ -5596,6 +6046,7 @@
         </p:spPr>
         <p:txBody>
           <a:bodyPr anchor="ctr"/>
+          <a:lstStyle/>
           <a:p>
             <a:pPr algn="ctr">
               <a:lnSpc>
@@ -5609,61 +6060,41 @@
                 </a:solidFill>
                 <a:latin typeface="Calibri"/>
               </a:rPr>
-              <a:t>Namespace</a:t>
-            </a:r>
-            <a:r>
-              <a:rPr lang="en-US" sz="4400">
-                <a:solidFill>
-                  <a:srgbClr val="000000"/>
-                </a:solidFill>
-                <a:latin typeface="Calibri"/>
-              </a:rPr>
-              <a:t>
+              <a:t>Namespace
+Object Constructors
 </a:t>
             </a:r>
-            <a:r>
-              <a:rPr lang="en-US" sz="4400">
-                <a:solidFill>
-                  <a:srgbClr val="000000"/>
-                </a:solidFill>
-                <a:latin typeface="Calibri"/>
-              </a:rPr>
-              <a:t>Object Constructors</a:t>
-            </a:r>
-            <a:r>
-              <a:rPr lang="en-US" sz="4400">
-                <a:solidFill>
-                  <a:srgbClr val="000000"/>
-                </a:solidFill>
-                <a:latin typeface="Calibri"/>
-              </a:rPr>
-              <a:t>
-</a:t>
-            </a:r>
             <a:endParaRPr/>
           </a:p>
         </p:txBody>
       </p:sp>
     </p:spTree>
   </p:cSld>
+  <p:clrMapOvr>
+    <a:masterClrMapping/>
+  </p:clrMapOvr>
   <p:timing>
     <p:tnLst>
       <p:par>
-        <p:cTn dur="indefinite" id="7" nodeType="tmRoot" restart="never">
+        <p:cTn id="1" dur="indefinite" restart="never" nodeType="tmRoot">
           <p:childTnLst>
             <p:seq>
-              <p:cTn id="8" nodeType="mainSeq">
-                <p:childTnLst/>
+              <p:cTn id="2" nodeType="mainSeq">
+                <p:childTnLst>
+                  <p:par>
+                    <p:cTn id="3"/>
+                  </p:par>
+                </p:childTnLst>
               </p:cTn>
               <p:prevCondLst>
-                <p:cond delay="0" evt="onPrev">
+                <p:cond evt="onPrev" delay="0">
                   <p:tgtEl>
                     <p:sldTgt/>
                   </p:tgtEl>
                 </p:cond>
               </p:prevCondLst>
               <p:nextCondLst>
-                <p:cond delay="0" evt="onNext">
+                <p:cond evt="onNext" delay="0">
                   <p:tgtEl>
                     <p:sldTgt/>
                   </p:tgtEl>
@@ -5898,6 +6329,8 @@
       </a:bgFillStyleLst>
     </a:fmtScheme>
   </a:themeElements>
+  <a:objectDefaults/>
+  <a:extraClrSchemeLst/>
 </a:theme>
 </file>
 
@@ -6121,6 +6554,8 @@
       </a:bgFillStyleLst>
     </a:fmtScheme>
   </a:themeElements>
+  <a:objectDefaults/>
+  <a:extraClrSchemeLst/>
 </a:theme>
 </file>
 
@@ -6344,5 +6779,7 @@
       </a:bgFillStyleLst>
     </a:fmtScheme>
   </a:themeElements>
+  <a:objectDefaults/>
+  <a:extraClrSchemeLst/>
 </a:theme>
 </file>